--- a/Lecture/Lecture 24/Lecture 24.pptx
+++ b/Lecture/Lecture 24/Lecture 24.pptx
@@ -6,10 +6,10 @@
     <p:sldMasterId id="2147483676" r:id="rId2"/>
   </p:sldMasterIdLst>
   <p:notesMasterIdLst>
-    <p:notesMasterId r:id="rId18"/>
+    <p:notesMasterId r:id="rId22"/>
   </p:notesMasterIdLst>
   <p:handoutMasterIdLst>
-    <p:handoutMasterId r:id="rId19"/>
+    <p:handoutMasterId r:id="rId23"/>
   </p:handoutMasterIdLst>
   <p:sldIdLst>
     <p:sldId id="320" r:id="rId3"/>
@@ -25,13 +25,17 @@
     <p:sldId id="425" r:id="rId13"/>
     <p:sldId id="424" r:id="rId14"/>
     <p:sldId id="426" r:id="rId15"/>
-    <p:sldId id="427" r:id="rId16"/>
-    <p:sldId id="329" r:id="rId17"/>
+    <p:sldId id="428" r:id="rId16"/>
+    <p:sldId id="429" r:id="rId17"/>
+    <p:sldId id="430" r:id="rId18"/>
+    <p:sldId id="431" r:id="rId19"/>
+    <p:sldId id="427" r:id="rId20"/>
+    <p:sldId id="329" r:id="rId21"/>
   </p:sldIdLst>
   <p:sldSz cx="9144000" cy="6858000" type="screen4x3"/>
   <p:notesSz cx="6858000" cy="9144000"/>
   <p:custDataLst>
-    <p:tags r:id="rId20"/>
+    <p:tags r:id="rId24"/>
   </p:custDataLst>
   <p:defaultTextStyle>
     <a:defPPr>
@@ -302,7 +306,7 @@
               <a:pPr>
                 <a:defRPr/>
               </a:pPr>
-              <a:t>10/29/2018</a:t>
+              <a:t>10/30/2018</a:t>
             </a:fld>
             <a:endParaRPr lang="en-US" dirty="0"/>
           </a:p>
@@ -514,7 +518,7 @@
               <a:pPr>
                 <a:defRPr/>
               </a:pPr>
-              <a:t>10/29/2018</a:t>
+              <a:t>10/30/2018</a:t>
             </a:fld>
             <a:endParaRPr lang="en-US" dirty="0"/>
           </a:p>
@@ -1033,7 +1037,7 @@
               <a:pPr>
                 <a:defRPr/>
               </a:pPr>
-              <a:t>10/29/2018</a:t>
+              <a:t>10/30/2018</a:t>
             </a:fld>
             <a:endParaRPr lang="en-US" dirty="0"/>
           </a:p>
@@ -1223,7 +1227,7 @@
               <a:pPr>
                 <a:defRPr/>
               </a:pPr>
-              <a:t>10/29/2018</a:t>
+              <a:t>10/30/2018</a:t>
             </a:fld>
             <a:endParaRPr lang="en-US" dirty="0"/>
           </a:p>
@@ -1423,7 +1427,7 @@
               <a:pPr>
                 <a:defRPr/>
               </a:pPr>
-              <a:t>10/29/2018</a:t>
+              <a:t>10/30/2018</a:t>
             </a:fld>
             <a:endParaRPr lang="en-US" dirty="0"/>
           </a:p>
@@ -1691,7 +1695,7 @@
               <a:pPr>
                 <a:defRPr/>
               </a:pPr>
-              <a:t>10/29/2018</a:t>
+              <a:t>10/30/2018</a:t>
             </a:fld>
             <a:endParaRPr lang="en-US" dirty="0">
               <a:solidFill>
@@ -1905,7 +1909,7 @@
               <a:pPr>
                 <a:defRPr/>
               </a:pPr>
-              <a:t>10/29/2018</a:t>
+              <a:t>10/30/2018</a:t>
             </a:fld>
             <a:endParaRPr lang="en-US" dirty="0">
               <a:solidFill>
@@ -2196,7 +2200,7 @@
               <a:pPr>
                 <a:defRPr/>
               </a:pPr>
-              <a:t>10/29/2018</a:t>
+              <a:t>10/30/2018</a:t>
             </a:fld>
             <a:endParaRPr lang="en-US" dirty="0">
               <a:solidFill>
@@ -2527,7 +2531,7 @@
               <a:pPr>
                 <a:defRPr/>
               </a:pPr>
-              <a:t>10/29/2018</a:t>
+              <a:t>10/30/2018</a:t>
             </a:fld>
             <a:endParaRPr lang="en-US" dirty="0">
               <a:solidFill>
@@ -2992,7 +2996,7 @@
               <a:pPr>
                 <a:defRPr/>
               </a:pPr>
-              <a:t>10/29/2018</a:t>
+              <a:t>10/30/2018</a:t>
             </a:fld>
             <a:endParaRPr lang="en-US" dirty="0">
               <a:solidFill>
@@ -3155,7 +3159,7 @@
               <a:pPr>
                 <a:defRPr/>
               </a:pPr>
-              <a:t>10/29/2018</a:t>
+              <a:t>10/30/2018</a:t>
             </a:fld>
             <a:endParaRPr lang="en-US" dirty="0">
               <a:solidFill>
@@ -3296,7 +3300,7 @@
               <a:pPr>
                 <a:defRPr/>
               </a:pPr>
-              <a:t>10/29/2018</a:t>
+              <a:t>10/30/2018</a:t>
             </a:fld>
             <a:endParaRPr lang="en-US" dirty="0">
               <a:solidFill>
@@ -3617,7 +3621,7 @@
               <a:pPr>
                 <a:defRPr/>
               </a:pPr>
-              <a:t>10/29/2018</a:t>
+              <a:t>10/30/2018</a:t>
             </a:fld>
             <a:endParaRPr lang="en-US" dirty="0">
               <a:solidFill>
@@ -3825,7 +3829,7 @@
               <a:pPr>
                 <a:defRPr/>
               </a:pPr>
-              <a:t>10/29/2018</a:t>
+              <a:t>10/30/2018</a:t>
             </a:fld>
             <a:endParaRPr lang="en-US" dirty="0"/>
           </a:p>
@@ -4108,7 +4112,7 @@
               <a:pPr>
                 <a:defRPr/>
               </a:pPr>
-              <a:t>10/29/2018</a:t>
+              <a:t>10/30/2018</a:t>
             </a:fld>
             <a:endParaRPr lang="en-US" dirty="0">
               <a:solidFill>
@@ -4322,7 +4326,7 @@
               <a:pPr>
                 <a:defRPr/>
               </a:pPr>
-              <a:t>10/29/2018</a:t>
+              <a:t>10/30/2018</a:t>
             </a:fld>
             <a:endParaRPr lang="en-US" dirty="0">
               <a:solidFill>
@@ -4546,7 +4550,7 @@
               <a:pPr>
                 <a:defRPr/>
               </a:pPr>
-              <a:t>10/29/2018</a:t>
+              <a:t>10/30/2018</a:t>
             </a:fld>
             <a:endParaRPr lang="en-US" dirty="0">
               <a:solidFill>
@@ -4756,7 +4760,7 @@
               <a:pPr>
                 <a:defRPr/>
               </a:pPr>
-              <a:t>10/29/2018</a:t>
+              <a:t>10/30/2018</a:t>
             </a:fld>
             <a:endParaRPr lang="en-US" dirty="0">
               <a:solidFill>
@@ -5033,7 +5037,7 @@
               <a:pPr>
                 <a:defRPr/>
               </a:pPr>
-              <a:t>10/29/2018</a:t>
+              <a:t>10/30/2018</a:t>
             </a:fld>
             <a:endParaRPr lang="en-US" dirty="0"/>
           </a:p>
@@ -5340,7 +5344,7 @@
               <a:pPr>
                 <a:defRPr/>
               </a:pPr>
-              <a:t>10/29/2018</a:t>
+              <a:t>10/30/2018</a:t>
             </a:fld>
             <a:endParaRPr lang="en-US" dirty="0"/>
           </a:p>
@@ -5781,7 +5785,7 @@
               <a:pPr>
                 <a:defRPr/>
               </a:pPr>
-              <a:t>10/29/2018</a:t>
+              <a:t>10/30/2018</a:t>
             </a:fld>
             <a:endParaRPr lang="en-US" dirty="0"/>
           </a:p>
@@ -5920,7 +5924,7 @@
               <a:pPr>
                 <a:defRPr/>
               </a:pPr>
-              <a:t>10/29/2018</a:t>
+              <a:t>10/30/2018</a:t>
             </a:fld>
             <a:endParaRPr lang="en-US" dirty="0"/>
           </a:p>
@@ -6037,7 +6041,7 @@
               <a:pPr>
                 <a:defRPr/>
               </a:pPr>
-              <a:t>10/29/2018</a:t>
+              <a:t>10/30/2018</a:t>
             </a:fld>
             <a:endParaRPr lang="en-US" dirty="0"/>
           </a:p>
@@ -6334,7 +6338,7 @@
               <a:pPr>
                 <a:defRPr/>
               </a:pPr>
-              <a:t>10/29/2018</a:t>
+              <a:t>10/30/2018</a:t>
             </a:fld>
             <a:endParaRPr lang="en-US" dirty="0"/>
           </a:p>
@@ -6611,7 +6615,7 @@
               <a:pPr>
                 <a:defRPr/>
               </a:pPr>
-              <a:t>10/29/2018</a:t>
+              <a:t>10/30/2018</a:t>
             </a:fld>
             <a:endParaRPr lang="en-US" dirty="0"/>
           </a:p>
@@ -6868,7 +6872,7 @@
               <a:pPr>
                 <a:defRPr/>
               </a:pPr>
-              <a:t>10/29/2018</a:t>
+              <a:t>10/30/2018</a:t>
             </a:fld>
             <a:endParaRPr lang="en-US" dirty="0"/>
           </a:p>
@@ -7578,7 +7582,7 @@
               <a:pPr>
                 <a:defRPr/>
               </a:pPr>
-              <a:t>10/29/2018</a:t>
+              <a:t>10/30/2018</a:t>
             </a:fld>
             <a:endParaRPr lang="en-US" dirty="0">
               <a:solidFill>
@@ -8636,22 +8640,7 @@
                   <a:schemeClr val="bg1"/>
                 </a:solidFill>
               </a:rPr>
-              <a:t>Evaluation </a:t>
-            </a:r>
-            <a:br>
-              <a:rPr lang="en-US" sz="2400" dirty="0">
-                <a:solidFill>
-                  <a:schemeClr val="bg1"/>
-                </a:solidFill>
-              </a:rPr>
-            </a:br>
-            <a:r>
-              <a:rPr lang="en-US" sz="2400" dirty="0">
-                <a:solidFill>
-                  <a:schemeClr val="bg1"/>
-                </a:solidFill>
-              </a:rPr>
-              <a:t>by </a:t>
+              <a:t>Evaluation by </a:t>
             </a:r>
             <a:br>
               <a:rPr lang="en-US" sz="2400" dirty="0">
@@ -9066,22 +9055,7 @@
                   <a:schemeClr val="bg1"/>
                 </a:solidFill>
               </a:rPr>
-              <a:t>Evaluation </a:t>
-            </a:r>
-            <a:br>
-              <a:rPr lang="en-US" sz="2400" dirty="0">
-                <a:solidFill>
-                  <a:schemeClr val="bg1"/>
-                </a:solidFill>
-              </a:rPr>
-            </a:br>
-            <a:r>
-              <a:rPr lang="en-US" sz="2400" dirty="0">
-                <a:solidFill>
-                  <a:schemeClr val="bg1"/>
-                </a:solidFill>
-              </a:rPr>
-              <a:t>by </a:t>
+              <a:t>Evaluation by </a:t>
             </a:r>
             <a:br>
               <a:rPr lang="en-US" sz="2400" dirty="0">
@@ -9832,22 +9806,7 @@
                   <a:schemeClr val="bg1"/>
                 </a:solidFill>
               </a:rPr>
-              <a:t>Evaluation </a:t>
-            </a:r>
-            <a:br>
-              <a:rPr lang="en-US" sz="2400" dirty="0">
-                <a:solidFill>
-                  <a:schemeClr val="bg1"/>
-                </a:solidFill>
-              </a:rPr>
-            </a:br>
-            <a:r>
-              <a:rPr lang="en-US" sz="2400" dirty="0">
-                <a:solidFill>
-                  <a:schemeClr val="bg1"/>
-                </a:solidFill>
-              </a:rPr>
-              <a:t>by </a:t>
+              <a:t>Evaluation by </a:t>
             </a:r>
             <a:br>
               <a:rPr lang="en-US" sz="2400" dirty="0">
@@ -10200,7 +10159,37 @@
                   <a:schemeClr val="bg1"/>
                 </a:solidFill>
               </a:rPr>
-              <a:t>Discussion</a:t>
+              <a:t>Part 6: </a:t>
+            </a:r>
+            <a:br>
+              <a:rPr lang="en-US" sz="2400" dirty="0">
+                <a:solidFill>
+                  <a:schemeClr val="bg1"/>
+                </a:solidFill>
+              </a:rPr>
+            </a:br>
+            <a:r>
+              <a:rPr lang="en-US" sz="2400" dirty="0">
+                <a:solidFill>
+                  <a:schemeClr val="bg1"/>
+                </a:solidFill>
+              </a:rPr>
+              <a:t>Evaluation by </a:t>
+            </a:r>
+            <a:br>
+              <a:rPr lang="en-US" sz="2400" dirty="0">
+                <a:solidFill>
+                  <a:schemeClr val="bg1"/>
+                </a:solidFill>
+              </a:rPr>
+            </a:br>
+            <a:r>
+              <a:rPr lang="en-US" sz="2400" dirty="0">
+                <a:solidFill>
+                  <a:schemeClr val="bg1"/>
+                </a:solidFill>
+              </a:rPr>
+              <a:t>Numerical Summary</a:t>
             </a:r>
             <a:endParaRPr lang="en-US" sz="2400" kern="1200" dirty="0">
               <a:solidFill>
@@ -10243,6 +10232,2797 @@
           <a:noFill/>
         </p:spPr>
       </p:pic>
+      <mc:AlternateContent xmlns:mc="http://schemas.openxmlformats.org/markup-compatibility/2006">
+        <mc:Choice xmlns:a14="http://schemas.microsoft.com/office/drawing/2010/main" Requires="a14">
+          <p:sp>
+            <p:nvSpPr>
+              <p:cNvPr id="7" name="TextBox 6">
+                <a:extLst>
+                  <a:ext uri="{FF2B5EF4-FFF2-40B4-BE49-F238E27FC236}">
+                    <a16:creationId xmlns:a16="http://schemas.microsoft.com/office/drawing/2014/main" id="{DF060353-BDFF-427E-8ABE-861948AE3B71}"/>
+                  </a:ext>
+                </a:extLst>
+              </p:cNvPr>
+              <p:cNvSpPr txBox="1"/>
+              <p:nvPr/>
+            </p:nvSpPr>
+            <p:spPr>
+              <a:xfrm>
+                <a:off x="3810000" y="506762"/>
+                <a:ext cx="5334000" cy="5557547"/>
+              </a:xfrm>
+              <a:prstGeom prst="rect">
+                <a:avLst/>
+              </a:prstGeom>
+              <a:noFill/>
+            </p:spPr>
+            <p:txBody>
+              <a:bodyPr wrap="square" rtlCol="0">
+                <a:spAutoFit/>
+              </a:bodyPr>
+              <a:lstStyle/>
+              <a:p>
+                <a:pPr marL="342900" indent="-342900">
+                  <a:buFont typeface="Arial" panose="020B0604020202020204" pitchFamily="34" charset="0"/>
+                  <a:buChar char="•"/>
+                  <a:defRPr/>
+                </a:pPr>
+                <a:r>
+                  <a:rPr lang="en-US" dirty="0">
+                    <a:solidFill>
+                      <a:srgbClr val="404040"/>
+                    </a:solidFill>
+                  </a:rPr>
+                  <a:t>Run Chunk 1</a:t>
+                </a:r>
+              </a:p>
+              <a:p>
+                <a:pPr marL="800100" lvl="1" indent="-342900">
+                  <a:buFont typeface="Arial" panose="020B0604020202020204" pitchFamily="34" charset="0"/>
+                  <a:buChar char="•"/>
+                  <a:defRPr/>
+                </a:pPr>
+                <a:endParaRPr lang="en-US" dirty="0">
+                  <a:solidFill>
+                    <a:srgbClr val="404040"/>
+                  </a:solidFill>
+                </a:endParaRPr>
+              </a:p>
+              <a:p>
+                <a:pPr marL="800100" lvl="1" indent="-342900">
+                  <a:buFont typeface="Arial" panose="020B0604020202020204" pitchFamily="34" charset="0"/>
+                  <a:buChar char="•"/>
+                  <a:defRPr/>
+                </a:pPr>
+                <a:r>
+                  <a:rPr lang="en-US" dirty="0">
+                    <a:solidFill>
+                      <a:srgbClr val="404040"/>
+                    </a:solidFill>
+                  </a:rPr>
+                  <a:t>Mean Bias</a:t>
+                </a:r>
+              </a:p>
+              <a:p>
+                <a:pPr lvl="1">
+                  <a:defRPr/>
+                </a:pPr>
+                <a14:m>
+                  <m:oMathPara xmlns:m="http://schemas.openxmlformats.org/officeDocument/2006/math">
+                    <m:oMathParaPr>
+                      <m:jc m:val="centerGroup"/>
+                    </m:oMathParaPr>
+                    <m:oMath xmlns:m="http://schemas.openxmlformats.org/officeDocument/2006/math">
+                      <m:r>
+                        <m:rPr>
+                          <m:sty m:val="p"/>
+                        </m:rPr>
+                        <a:rPr lang="en-US">
+                          <a:solidFill>
+                            <a:srgbClr val="404040"/>
+                          </a:solidFill>
+                          <a:latin typeface="Cambria Math" panose="02040503050406030204" pitchFamily="18" charset="0"/>
+                        </a:rPr>
+                        <m:t>M</m:t>
+                      </m:r>
+                      <m:r>
+                        <m:rPr>
+                          <m:sty m:val="p"/>
+                        </m:rPr>
+                        <a:rPr lang="en-US" b="0" i="0" smtClean="0">
+                          <a:solidFill>
+                            <a:srgbClr val="404040"/>
+                          </a:solidFill>
+                          <a:latin typeface="Cambria Math" panose="02040503050406030204" pitchFamily="18" charset="0"/>
+                        </a:rPr>
+                        <m:t>B</m:t>
+                      </m:r>
+                      <m:r>
+                        <a:rPr lang="en-US">
+                          <a:solidFill>
+                            <a:srgbClr val="404040"/>
+                          </a:solidFill>
+                          <a:latin typeface="Cambria Math" panose="02040503050406030204" pitchFamily="18" charset="0"/>
+                        </a:rPr>
+                        <m:t>=</m:t>
+                      </m:r>
+                      <m:f>
+                        <m:fPr>
+                          <m:ctrlPr>
+                            <a:rPr lang="en-US" i="1">
+                              <a:solidFill>
+                                <a:srgbClr val="404040"/>
+                              </a:solidFill>
+                              <a:latin typeface="Cambria Math" panose="02040503050406030204" pitchFamily="18" charset="0"/>
+                            </a:rPr>
+                          </m:ctrlPr>
+                        </m:fPr>
+                        <m:num>
+                          <m:r>
+                            <a:rPr lang="en-US" i="1">
+                              <a:solidFill>
+                                <a:srgbClr val="404040"/>
+                              </a:solidFill>
+                              <a:latin typeface="Cambria Math" panose="02040503050406030204" pitchFamily="18" charset="0"/>
+                            </a:rPr>
+                            <m:t>1</m:t>
+                          </m:r>
+                        </m:num>
+                        <m:den>
+                          <m:r>
+                            <a:rPr lang="en-US" i="1">
+                              <a:solidFill>
+                                <a:srgbClr val="404040"/>
+                              </a:solidFill>
+                              <a:latin typeface="Cambria Math" panose="02040503050406030204" pitchFamily="18" charset="0"/>
+                            </a:rPr>
+                            <m:t>𝑁</m:t>
+                          </m:r>
+                        </m:den>
+                      </m:f>
+                      <m:nary>
+                        <m:naryPr>
+                          <m:chr m:val="∑"/>
+                          <m:subHide m:val="on"/>
+                          <m:supHide m:val="on"/>
+                          <m:ctrlPr>
+                            <a:rPr lang="en-US" i="1">
+                              <a:solidFill>
+                                <a:srgbClr val="404040"/>
+                              </a:solidFill>
+                              <a:latin typeface="Cambria Math" panose="02040503050406030204" pitchFamily="18" charset="0"/>
+                            </a:rPr>
+                          </m:ctrlPr>
+                        </m:naryPr>
+                        <m:sub/>
+                        <m:sup/>
+                        <m:e>
+                          <m:sSub>
+                            <m:sSubPr>
+                              <m:ctrlPr>
+                                <a:rPr lang="en-US" i="1" smtClean="0">
+                                  <a:solidFill>
+                                    <a:srgbClr val="404040"/>
+                                  </a:solidFill>
+                                  <a:latin typeface="Cambria Math" panose="02040503050406030204" pitchFamily="18" charset="0"/>
+                                </a:rPr>
+                              </m:ctrlPr>
+                            </m:sSubPr>
+                            <m:e>
+                              <m:acc>
+                                <m:accPr>
+                                  <m:chr m:val="̂"/>
+                                  <m:ctrlPr>
+                                    <a:rPr lang="en-US" i="1">
+                                      <a:solidFill>
+                                        <a:srgbClr val="404040"/>
+                                      </a:solidFill>
+                                      <a:latin typeface="Cambria Math" panose="02040503050406030204" pitchFamily="18" charset="0"/>
+                                    </a:rPr>
+                                  </m:ctrlPr>
+                                </m:accPr>
+                                <m:e>
+                                  <m:r>
+                                    <m:rPr>
+                                      <m:sty m:val="p"/>
+                                    </m:rPr>
+                                    <a:rPr lang="el-GR" i="1">
+                                      <a:solidFill>
+                                        <a:srgbClr val="404040"/>
+                                      </a:solidFill>
+                                      <a:latin typeface="Cambria Math" panose="02040503050406030204" pitchFamily="18" charset="0"/>
+                                    </a:rPr>
+                                    <m:t>ε</m:t>
+                                  </m:r>
+                                </m:e>
+                              </m:acc>
+                            </m:e>
+                            <m:sub>
+                              <m:r>
+                                <a:rPr lang="en-US" i="1">
+                                  <a:solidFill>
+                                    <a:srgbClr val="404040"/>
+                                  </a:solidFill>
+                                  <a:latin typeface="Cambria Math" panose="02040503050406030204" pitchFamily="18" charset="0"/>
+                                </a:rPr>
+                                <m:t>𝑘</m:t>
+                              </m:r>
+                            </m:sub>
+                          </m:sSub>
+                        </m:e>
+                      </m:nary>
+                    </m:oMath>
+                  </m:oMathPara>
+                </a14:m>
+                <a:endParaRPr lang="en-US" dirty="0">
+                  <a:solidFill>
+                    <a:srgbClr val="404040"/>
+                  </a:solidFill>
+                </a:endParaRPr>
+              </a:p>
+              <a:p>
+                <a:pPr marL="800100" lvl="1" indent="-342900">
+                  <a:buFont typeface="Arial" panose="020B0604020202020204" pitchFamily="34" charset="0"/>
+                  <a:buChar char="•"/>
+                  <a:defRPr/>
+                </a:pPr>
+                <a:r>
+                  <a:rPr lang="en-US" dirty="0">
+                    <a:solidFill>
+                      <a:srgbClr val="404040"/>
+                    </a:solidFill>
+                  </a:rPr>
+                  <a:t>Mean Absolute Error</a:t>
+                </a:r>
+              </a:p>
+              <a:p>
+                <a:pPr lvl="1">
+                  <a:defRPr/>
+                </a:pPr>
+                <a14:m>
+                  <m:oMathPara xmlns:m="http://schemas.openxmlformats.org/officeDocument/2006/math">
+                    <m:oMathParaPr>
+                      <m:jc m:val="centerGroup"/>
+                    </m:oMathParaPr>
+                    <m:oMath xmlns:m="http://schemas.openxmlformats.org/officeDocument/2006/math">
+                      <m:r>
+                        <m:rPr>
+                          <m:sty m:val="p"/>
+                        </m:rPr>
+                        <a:rPr lang="en-US">
+                          <a:solidFill>
+                            <a:srgbClr val="404040"/>
+                          </a:solidFill>
+                          <a:latin typeface="Cambria Math" panose="02040503050406030204" pitchFamily="18" charset="0"/>
+                        </a:rPr>
+                        <m:t>MA</m:t>
+                      </m:r>
+                      <m:r>
+                        <m:rPr>
+                          <m:sty m:val="p"/>
+                        </m:rPr>
+                        <a:rPr lang="en-US">
+                          <a:solidFill>
+                            <a:srgbClr val="404040"/>
+                          </a:solidFill>
+                          <a:latin typeface="Cambria Math" panose="02040503050406030204" pitchFamily="18" charset="0"/>
+                        </a:rPr>
+                        <m:t>E</m:t>
+                      </m:r>
+                      <m:r>
+                        <a:rPr lang="en-US">
+                          <a:solidFill>
+                            <a:srgbClr val="404040"/>
+                          </a:solidFill>
+                          <a:latin typeface="Cambria Math" panose="02040503050406030204" pitchFamily="18" charset="0"/>
+                        </a:rPr>
+                        <m:t>=</m:t>
+                      </m:r>
+                      <m:f>
+                        <m:fPr>
+                          <m:ctrlPr>
+                            <a:rPr lang="en-US" i="1">
+                              <a:solidFill>
+                                <a:srgbClr val="404040"/>
+                              </a:solidFill>
+                              <a:latin typeface="Cambria Math" panose="02040503050406030204" pitchFamily="18" charset="0"/>
+                            </a:rPr>
+                          </m:ctrlPr>
+                        </m:fPr>
+                        <m:num>
+                          <m:r>
+                            <a:rPr lang="en-US" i="1">
+                              <a:solidFill>
+                                <a:srgbClr val="404040"/>
+                              </a:solidFill>
+                              <a:latin typeface="Cambria Math" panose="02040503050406030204" pitchFamily="18" charset="0"/>
+                            </a:rPr>
+                            <m:t>1</m:t>
+                          </m:r>
+                        </m:num>
+                        <m:den>
+                          <m:r>
+                            <a:rPr lang="en-US" i="1">
+                              <a:solidFill>
+                                <a:srgbClr val="404040"/>
+                              </a:solidFill>
+                              <a:latin typeface="Cambria Math" panose="02040503050406030204" pitchFamily="18" charset="0"/>
+                            </a:rPr>
+                            <m:t>𝑁</m:t>
+                          </m:r>
+                        </m:den>
+                      </m:f>
+                      <m:nary>
+                        <m:naryPr>
+                          <m:chr m:val="∑"/>
+                          <m:subHide m:val="on"/>
+                          <m:supHide m:val="on"/>
+                          <m:ctrlPr>
+                            <a:rPr lang="en-US" i="1">
+                              <a:solidFill>
+                                <a:srgbClr val="404040"/>
+                              </a:solidFill>
+                              <a:latin typeface="Cambria Math" panose="02040503050406030204" pitchFamily="18" charset="0"/>
+                            </a:rPr>
+                          </m:ctrlPr>
+                        </m:naryPr>
+                        <m:sub/>
+                        <m:sup/>
+                        <m:e>
+                          <m:d>
+                            <m:dPr>
+                              <m:begChr m:val="|"/>
+                              <m:endChr m:val="|"/>
+                              <m:ctrlPr>
+                                <a:rPr lang="en-US" i="1">
+                                  <a:solidFill>
+                                    <a:srgbClr val="404040"/>
+                                  </a:solidFill>
+                                  <a:latin typeface="Cambria Math" panose="02040503050406030204" pitchFamily="18" charset="0"/>
+                                </a:rPr>
+                              </m:ctrlPr>
+                            </m:dPr>
+                            <m:e>
+                              <m:sSub>
+                                <m:sSubPr>
+                                  <m:ctrlPr>
+                                    <a:rPr lang="en-US" i="1">
+                                      <a:solidFill>
+                                        <a:srgbClr val="404040"/>
+                                      </a:solidFill>
+                                      <a:latin typeface="Cambria Math" panose="02040503050406030204" pitchFamily="18" charset="0"/>
+                                    </a:rPr>
+                                  </m:ctrlPr>
+                                </m:sSubPr>
+                                <m:e>
+                                  <m:acc>
+                                    <m:accPr>
+                                      <m:chr m:val="̂"/>
+                                      <m:ctrlPr>
+                                        <a:rPr lang="en-US" i="1">
+                                          <a:solidFill>
+                                            <a:srgbClr val="404040"/>
+                                          </a:solidFill>
+                                          <a:latin typeface="Cambria Math" panose="02040503050406030204" pitchFamily="18" charset="0"/>
+                                        </a:rPr>
+                                      </m:ctrlPr>
+                                    </m:accPr>
+                                    <m:e>
+                                      <m:r>
+                                        <m:rPr>
+                                          <m:sty m:val="p"/>
+                                        </m:rPr>
+                                        <a:rPr lang="el-GR" i="1">
+                                          <a:solidFill>
+                                            <a:srgbClr val="404040"/>
+                                          </a:solidFill>
+                                          <a:latin typeface="Cambria Math" panose="02040503050406030204" pitchFamily="18" charset="0"/>
+                                        </a:rPr>
+                                        <m:t>ε</m:t>
+                                      </m:r>
+                                    </m:e>
+                                  </m:acc>
+                                </m:e>
+                                <m:sub>
+                                  <m:r>
+                                    <a:rPr lang="en-US" i="1">
+                                      <a:solidFill>
+                                        <a:srgbClr val="404040"/>
+                                      </a:solidFill>
+                                      <a:latin typeface="Cambria Math" panose="02040503050406030204" pitchFamily="18" charset="0"/>
+                                    </a:rPr>
+                                    <m:t>𝑘</m:t>
+                                  </m:r>
+                                </m:sub>
+                              </m:sSub>
+                            </m:e>
+                          </m:d>
+                        </m:e>
+                      </m:nary>
+                    </m:oMath>
+                  </m:oMathPara>
+                </a14:m>
+                <a:endParaRPr lang="en-US" dirty="0">
+                  <a:solidFill>
+                    <a:srgbClr val="404040"/>
+                  </a:solidFill>
+                </a:endParaRPr>
+              </a:p>
+              <a:p>
+                <a:pPr marL="800100" lvl="1" indent="-342900">
+                  <a:buFont typeface="Arial" panose="020B0604020202020204" pitchFamily="34" charset="0"/>
+                  <a:buChar char="•"/>
+                  <a:defRPr/>
+                </a:pPr>
+                <a:r>
+                  <a:rPr lang="en-US" dirty="0">
+                    <a:solidFill>
+                      <a:srgbClr val="404040"/>
+                    </a:solidFill>
+                  </a:rPr>
+                  <a:t>Root Mean Squared Error</a:t>
+                </a:r>
+              </a:p>
+              <a:p>
+                <a:pPr lvl="1">
+                  <a:defRPr/>
+                </a:pPr>
+                <a14:m>
+                  <m:oMathPara xmlns:m="http://schemas.openxmlformats.org/officeDocument/2006/math">
+                    <m:oMathParaPr>
+                      <m:jc m:val="centerGroup"/>
+                    </m:oMathParaPr>
+                    <m:oMath xmlns:m="http://schemas.openxmlformats.org/officeDocument/2006/math">
+                      <m:r>
+                        <m:rPr>
+                          <m:sty m:val="p"/>
+                        </m:rPr>
+                        <a:rPr lang="en-US" dirty="0">
+                          <a:solidFill>
+                            <a:srgbClr val="404040"/>
+                          </a:solidFill>
+                          <a:latin typeface="Cambria Math" panose="02040503050406030204" pitchFamily="18" charset="0"/>
+                        </a:rPr>
+                        <m:t>R</m:t>
+                      </m:r>
+                      <m:r>
+                        <m:rPr>
+                          <m:sty m:val="p"/>
+                        </m:rPr>
+                        <a:rPr lang="en-US">
+                          <a:solidFill>
+                            <a:srgbClr val="404040"/>
+                          </a:solidFill>
+                          <a:latin typeface="Cambria Math" panose="02040503050406030204" pitchFamily="18" charset="0"/>
+                        </a:rPr>
+                        <m:t>MSE</m:t>
+                      </m:r>
+                      <m:r>
+                        <a:rPr lang="en-US">
+                          <a:solidFill>
+                            <a:srgbClr val="404040"/>
+                          </a:solidFill>
+                          <a:latin typeface="Cambria Math" panose="02040503050406030204" pitchFamily="18" charset="0"/>
+                        </a:rPr>
+                        <m:t>=</m:t>
+                      </m:r>
+                      <m:rad>
+                        <m:radPr>
+                          <m:degHide m:val="on"/>
+                          <m:ctrlPr>
+                            <a:rPr lang="en-US" i="1">
+                              <a:solidFill>
+                                <a:srgbClr val="404040"/>
+                              </a:solidFill>
+                              <a:latin typeface="Cambria Math" panose="02040503050406030204" pitchFamily="18" charset="0"/>
+                            </a:rPr>
+                          </m:ctrlPr>
+                        </m:radPr>
+                        <m:deg/>
+                        <m:e>
+                          <m:f>
+                            <m:fPr>
+                              <m:ctrlPr>
+                                <a:rPr lang="en-US" i="1">
+                                  <a:solidFill>
+                                    <a:srgbClr val="404040"/>
+                                  </a:solidFill>
+                                  <a:latin typeface="Cambria Math" panose="02040503050406030204" pitchFamily="18" charset="0"/>
+                                </a:rPr>
+                              </m:ctrlPr>
+                            </m:fPr>
+                            <m:num>
+                              <m:r>
+                                <a:rPr lang="en-US" i="1">
+                                  <a:solidFill>
+                                    <a:srgbClr val="404040"/>
+                                  </a:solidFill>
+                                  <a:latin typeface="Cambria Math" panose="02040503050406030204" pitchFamily="18" charset="0"/>
+                                </a:rPr>
+                                <m:t>1</m:t>
+                              </m:r>
+                            </m:num>
+                            <m:den>
+                              <m:r>
+                                <a:rPr lang="en-US" i="1">
+                                  <a:solidFill>
+                                    <a:srgbClr val="404040"/>
+                                  </a:solidFill>
+                                  <a:latin typeface="Cambria Math" panose="02040503050406030204" pitchFamily="18" charset="0"/>
+                                </a:rPr>
+                                <m:t>𝑁</m:t>
+                              </m:r>
+                            </m:den>
+                          </m:f>
+                          <m:nary>
+                            <m:naryPr>
+                              <m:chr m:val="∑"/>
+                              <m:subHide m:val="on"/>
+                              <m:supHide m:val="on"/>
+                              <m:ctrlPr>
+                                <a:rPr lang="en-US" i="1">
+                                  <a:solidFill>
+                                    <a:srgbClr val="404040"/>
+                                  </a:solidFill>
+                                  <a:latin typeface="Cambria Math" panose="02040503050406030204" pitchFamily="18" charset="0"/>
+                                </a:rPr>
+                              </m:ctrlPr>
+                            </m:naryPr>
+                            <m:sub/>
+                            <m:sup/>
+                            <m:e>
+                              <m:sSubSup>
+                                <m:sSubSupPr>
+                                  <m:ctrlPr>
+                                    <a:rPr lang="en-US" i="1">
+                                      <a:solidFill>
+                                        <a:srgbClr val="404040"/>
+                                      </a:solidFill>
+                                      <a:latin typeface="Cambria Math" panose="02040503050406030204" pitchFamily="18" charset="0"/>
+                                    </a:rPr>
+                                  </m:ctrlPr>
+                                </m:sSubSupPr>
+                                <m:e>
+                                  <m:acc>
+                                    <m:accPr>
+                                      <m:chr m:val="̂"/>
+                                      <m:ctrlPr>
+                                        <a:rPr lang="en-US" i="1">
+                                          <a:solidFill>
+                                            <a:srgbClr val="404040"/>
+                                          </a:solidFill>
+                                          <a:latin typeface="Cambria Math" panose="02040503050406030204" pitchFamily="18" charset="0"/>
+                                        </a:rPr>
+                                      </m:ctrlPr>
+                                    </m:accPr>
+                                    <m:e>
+                                      <m:r>
+                                        <m:rPr>
+                                          <m:sty m:val="p"/>
+                                        </m:rPr>
+                                        <a:rPr lang="el-GR" i="1">
+                                          <a:solidFill>
+                                            <a:srgbClr val="404040"/>
+                                          </a:solidFill>
+                                          <a:latin typeface="Cambria Math" panose="02040503050406030204" pitchFamily="18" charset="0"/>
+                                        </a:rPr>
+                                        <m:t>ε</m:t>
+                                      </m:r>
+                                    </m:e>
+                                  </m:acc>
+                                </m:e>
+                                <m:sub>
+                                  <m:r>
+                                    <a:rPr lang="en-US" i="1">
+                                      <a:solidFill>
+                                        <a:srgbClr val="404040"/>
+                                      </a:solidFill>
+                                      <a:latin typeface="Cambria Math" panose="02040503050406030204" pitchFamily="18" charset="0"/>
+                                    </a:rPr>
+                                    <m:t>𝑘</m:t>
+                                  </m:r>
+                                </m:sub>
+                                <m:sup>
+                                  <m:r>
+                                    <a:rPr lang="en-US" i="1">
+                                      <a:solidFill>
+                                        <a:srgbClr val="404040"/>
+                                      </a:solidFill>
+                                      <a:latin typeface="Cambria Math" panose="02040503050406030204" pitchFamily="18" charset="0"/>
+                                    </a:rPr>
+                                    <m:t>2</m:t>
+                                  </m:r>
+                                </m:sup>
+                              </m:sSubSup>
+                            </m:e>
+                          </m:nary>
+                        </m:e>
+                      </m:rad>
+                    </m:oMath>
+                  </m:oMathPara>
+                </a14:m>
+                <a:endParaRPr lang="en-US" dirty="0">
+                  <a:solidFill>
+                    <a:srgbClr val="404040"/>
+                  </a:solidFill>
+                </a:endParaRPr>
+              </a:p>
+              <a:p>
+                <a:pPr marL="800100" lvl="1" indent="-342900">
+                  <a:buFont typeface="Arial" panose="020B0604020202020204" pitchFamily="34" charset="0"/>
+                  <a:buChar char="•"/>
+                  <a:defRPr/>
+                </a:pPr>
+                <a:r>
+                  <a:rPr lang="en-US" dirty="0">
+                    <a:solidFill>
+                      <a:srgbClr val="404040"/>
+                    </a:solidFill>
+                  </a:rPr>
+                  <a:t>MB, MAE, and RMSE are in Degrees Celsius</a:t>
+                </a:r>
+              </a:p>
+            </p:txBody>
+          </p:sp>
+        </mc:Choice>
+        <mc:Fallback>
+          <p:sp>
+            <p:nvSpPr>
+              <p:cNvPr id="7" name="TextBox 6">
+                <a:extLst>
+                  <a:ext uri="{FF2B5EF4-FFF2-40B4-BE49-F238E27FC236}">
+                    <a16:creationId xmlns:a16="http://schemas.microsoft.com/office/drawing/2014/main" id="{DF060353-BDFF-427E-8ABE-861948AE3B71}"/>
+                  </a:ext>
+                </a:extLst>
+              </p:cNvPr>
+              <p:cNvSpPr txBox="1">
+                <a:spLocks noRot="1" noChangeAspect="1" noMove="1" noResize="1" noEditPoints="1" noAdjustHandles="1" noChangeArrowheads="1" noChangeShapeType="1" noTextEdit="1"/>
+              </p:cNvSpPr>
+              <p:nvPr/>
+            </p:nvSpPr>
+            <p:spPr>
+              <a:xfrm>
+                <a:off x="3810000" y="506762"/>
+                <a:ext cx="5334000" cy="5557547"/>
+              </a:xfrm>
+              <a:prstGeom prst="rect">
+                <a:avLst/>
+              </a:prstGeom>
+              <a:blipFill>
+                <a:blip r:embed="rId4"/>
+                <a:stretch>
+                  <a:fillRect l="-1486" t="-768" b="-1535"/>
+                </a:stretch>
+              </a:blipFill>
+            </p:spPr>
+            <p:txBody>
+              <a:bodyPr/>
+              <a:lstStyle/>
+              <a:p>
+                <a:r>
+                  <a:rPr lang="en-US">
+                    <a:noFill/>
+                  </a:rPr>
+                  <a:t> </a:t>
+                </a:r>
+              </a:p>
+            </p:txBody>
+          </p:sp>
+        </mc:Fallback>
+      </mc:AlternateContent>
+    </p:spTree>
+    <p:custDataLst>
+      <p:tags r:id="rId1"/>
+    </p:custDataLst>
+    <p:extLst>
+      <p:ext uri="{BB962C8B-B14F-4D97-AF65-F5344CB8AC3E}">
+        <p14:creationId xmlns:p14="http://schemas.microsoft.com/office/powerpoint/2010/main" val="2445314301"/>
+      </p:ext>
+    </p:extLst>
+  </p:cSld>
+  <p:clrMapOvr>
+    <a:masterClrMapping/>
+  </p:clrMapOvr>
+</p:sld>
+</file>
+
+<file path=ppt/slides/slide15.xml><?xml version="1.0" encoding="utf-8"?>
+<p:sld xmlns:a="http://schemas.openxmlformats.org/drawingml/2006/main" xmlns:r="http://schemas.openxmlformats.org/officeDocument/2006/relationships" xmlns:p="http://schemas.openxmlformats.org/presentationml/2006/main">
+  <p:cSld>
+    <p:bg>
+      <p:bgPr>
+        <a:solidFill>
+          <a:schemeClr val="bg1">
+            <a:lumMod val="85000"/>
+          </a:schemeClr>
+        </a:solidFill>
+        <a:effectLst/>
+      </p:bgPr>
+    </p:bg>
+    <p:spTree>
+      <p:nvGrpSpPr>
+        <p:cNvPr id="1" name=""/>
+        <p:cNvGrpSpPr/>
+        <p:nvPr/>
+      </p:nvGrpSpPr>
+      <p:grpSpPr>
+        <a:xfrm>
+          <a:off x="0" y="0"/>
+          <a:ext cx="0" cy="0"/>
+          <a:chOff x="0" y="0"/>
+          <a:chExt cx="0" cy="0"/>
+        </a:xfrm>
+      </p:grpSpPr>
+      <p:sp>
+        <p:nvSpPr>
+          <p:cNvPr id="15" name="Rectangle 12">
+            <a:extLst>
+              <a:ext uri="{FF2B5EF4-FFF2-40B4-BE49-F238E27FC236}">
+                <a16:creationId xmlns:a16="http://schemas.microsoft.com/office/drawing/2014/main" id="{867D4867-5BA7-4462-B2F6-A23F4A622AA7}"/>
+              </a:ext>
+              <a:ext uri="{C183D7F6-B498-43B3-948B-1728B52AA6E4}">
+                <adec:decorative xmlns:adec="http://schemas.microsoft.com/office/drawing/2017/decorative" val="1"/>
+              </a:ext>
+            </a:extLst>
+          </p:cNvPr>
+          <p:cNvSpPr>
+            <a:spLocks noGrp="1" noRot="1" noChangeAspect="1" noMove="1" noResize="1" noEditPoints="1" noAdjustHandles="1" noChangeArrowheads="1" noChangeShapeType="1" noTextEdit="1"/>
+          </p:cNvSpPr>
+          <p:nvPr>
+            <p:extLst>
+              <p:ext uri="{386F3935-93C4-4BCD-93E2-E3B085C9AB24}">
+                <p16:designElem xmlns:p16="http://schemas.microsoft.com/office/powerpoint/2015/main" val="1"/>
+              </p:ext>
+            </p:extLst>
+          </p:nvPr>
+        </p:nvSpPr>
+        <p:spPr>
+          <a:xfrm>
+            <a:off x="0" y="0"/>
+            <a:ext cx="3490722" cy="6858000"/>
+          </a:xfrm>
+          <a:prstGeom prst="rect">
+            <a:avLst/>
+          </a:prstGeom>
+          <a:solidFill>
+            <a:schemeClr val="tx1">
+              <a:lumMod val="75000"/>
+              <a:lumOff val="25000"/>
+            </a:schemeClr>
+          </a:solidFill>
+          <a:ln>
+            <a:noFill/>
+          </a:ln>
+        </p:spPr>
+        <p:style>
+          <a:lnRef idx="0">
+            <a:scrgbClr r="0" g="0" b="0"/>
+          </a:lnRef>
+          <a:fillRef idx="0">
+            <a:scrgbClr r="0" g="0" b="0"/>
+          </a:fillRef>
+          <a:effectRef idx="0">
+            <a:scrgbClr r="0" g="0" b="0"/>
+          </a:effectRef>
+          <a:fontRef idx="minor">
+            <a:schemeClr val="lt1"/>
+          </a:fontRef>
+        </p:style>
+        <p:txBody>
+          <a:bodyPr rtlCol="0" anchor="ctr"/>
+          <a:lstStyle/>
+          <a:p>
+            <a:pPr marL="0" marR="0" lvl="0" indent="0" algn="ctr" defTabSz="457200" rtl="0" eaLnBrk="1" fontAlgn="base" latinLnBrk="0" hangingPunct="1">
+              <a:lnSpc>
+                <a:spcPct val="100000"/>
+              </a:lnSpc>
+              <a:spcBef>
+                <a:spcPct val="0"/>
+              </a:spcBef>
+              <a:spcAft>
+                <a:spcPct val="0"/>
+              </a:spcAft>
+              <a:buClrTx/>
+              <a:buSzTx/>
+              <a:buFontTx/>
+              <a:buNone/>
+              <a:tabLst/>
+              <a:defRPr/>
+            </a:pPr>
+            <a:endParaRPr kumimoji="0" lang="en-US" sz="2400" b="0" i="0" u="none" strike="noStrike" kern="1200" cap="none" spc="0" normalizeH="0" baseline="0" noProof="0">
+              <a:ln>
+                <a:noFill/>
+              </a:ln>
+              <a:solidFill>
+                <a:prstClr val="white"/>
+              </a:solidFill>
+              <a:effectLst/>
+              <a:uLnTx/>
+              <a:uFillTx/>
+              <a:latin typeface="Calibri"/>
+              <a:ea typeface="+mn-ea"/>
+              <a:cs typeface="+mn-cs"/>
+            </a:endParaRPr>
+          </a:p>
+        </p:txBody>
+      </p:sp>
+      <p:sp>
+        <p:nvSpPr>
+          <p:cNvPr id="2" name="Title 1"/>
+          <p:cNvSpPr>
+            <a:spLocks noGrp="1"/>
+          </p:cNvSpPr>
+          <p:nvPr>
+            <p:ph type="title"/>
+          </p:nvPr>
+        </p:nvSpPr>
+        <p:spPr>
+          <a:xfrm>
+            <a:off x="482600" y="643467"/>
+            <a:ext cx="2522980" cy="1597315"/>
+          </a:xfrm>
+          <a:noFill/>
+          <a:ln w="19050">
+            <a:solidFill>
+              <a:schemeClr val="bg1"/>
+            </a:solidFill>
+          </a:ln>
+        </p:spPr>
+        <p:txBody>
+          <a:bodyPr vert="horz" wrap="square" lIns="91440" tIns="45720" rIns="91440" bIns="45720" rtlCol="0" anchor="ctr">
+            <a:normAutofit/>
+          </a:bodyPr>
+          <a:lstStyle/>
+          <a:p>
+            <a:pPr defTabSz="914400" eaLnBrk="1" hangingPunct="1">
+              <a:lnSpc>
+                <a:spcPct val="90000"/>
+              </a:lnSpc>
+            </a:pPr>
+            <a:r>
+              <a:rPr lang="en-US" sz="2400" dirty="0">
+                <a:solidFill>
+                  <a:schemeClr val="bg1"/>
+                </a:solidFill>
+              </a:rPr>
+              <a:t>Part 6: </a:t>
+            </a:r>
+            <a:br>
+              <a:rPr lang="en-US" sz="2400" dirty="0">
+                <a:solidFill>
+                  <a:schemeClr val="bg1"/>
+                </a:solidFill>
+              </a:rPr>
+            </a:br>
+            <a:r>
+              <a:rPr lang="en-US" sz="2400" dirty="0">
+                <a:solidFill>
+                  <a:schemeClr val="bg1"/>
+                </a:solidFill>
+              </a:rPr>
+              <a:t>Evaluation by </a:t>
+            </a:r>
+            <a:br>
+              <a:rPr lang="en-US" sz="2400" dirty="0">
+                <a:solidFill>
+                  <a:schemeClr val="bg1"/>
+                </a:solidFill>
+              </a:rPr>
+            </a:br>
+            <a:r>
+              <a:rPr lang="en-US" sz="2400" dirty="0">
+                <a:solidFill>
+                  <a:schemeClr val="bg1"/>
+                </a:solidFill>
+              </a:rPr>
+              <a:t>Numerical Summary</a:t>
+            </a:r>
+            <a:endParaRPr lang="en-US" sz="2400" kern="1200" dirty="0">
+              <a:solidFill>
+                <a:schemeClr val="bg1"/>
+              </a:solidFill>
+              <a:latin typeface="+mj-lt"/>
+              <a:ea typeface="+mj-ea"/>
+              <a:cs typeface="+mj-cs"/>
+            </a:endParaRPr>
+          </a:p>
+        </p:txBody>
+      </p:sp>
+      <p:pic>
+        <p:nvPicPr>
+          <p:cNvPr id="8" name="Picture 7">
+            <a:extLst>
+              <a:ext uri="{FF2B5EF4-FFF2-40B4-BE49-F238E27FC236}">
+                <a16:creationId xmlns:a16="http://schemas.microsoft.com/office/drawing/2014/main" id="{521D4292-9ECC-4DA5-8CC0-C561A0DA118E}"/>
+              </a:ext>
+            </a:extLst>
+          </p:cNvPr>
+          <p:cNvPicPr>
+            <a:picLocks noChangeAspect="1"/>
+          </p:cNvPicPr>
+          <p:nvPr/>
+        </p:nvPicPr>
+        <p:blipFill rotWithShape="1">
+          <a:blip r:embed="rId3"/>
+          <a:srcRect l="8000" r="9400"/>
+          <a:stretch/>
+        </p:blipFill>
+        <p:spPr>
+          <a:xfrm>
+            <a:off x="660103" y="3048000"/>
+            <a:ext cx="2167974" cy="2624666"/>
+          </a:xfrm>
+          <a:prstGeom prst="rect">
+            <a:avLst/>
+          </a:prstGeom>
+          <a:noFill/>
+        </p:spPr>
+      </p:pic>
+      <p:sp>
+        <p:nvSpPr>
+          <p:cNvPr id="7" name="TextBox 6">
+            <a:extLst>
+              <a:ext uri="{FF2B5EF4-FFF2-40B4-BE49-F238E27FC236}">
+                <a16:creationId xmlns:a16="http://schemas.microsoft.com/office/drawing/2014/main" id="{DF060353-BDFF-427E-8ABE-861948AE3B71}"/>
+              </a:ext>
+            </a:extLst>
+          </p:cNvPr>
+          <p:cNvSpPr txBox="1"/>
+          <p:nvPr/>
+        </p:nvSpPr>
+        <p:spPr>
+          <a:xfrm>
+            <a:off x="3810000" y="506762"/>
+            <a:ext cx="5334000" cy="6001643"/>
+          </a:xfrm>
+          <a:prstGeom prst="rect">
+            <a:avLst/>
+          </a:prstGeom>
+          <a:noFill/>
+        </p:spPr>
+        <p:txBody>
+          <a:bodyPr wrap="square" rtlCol="0">
+            <a:spAutoFit/>
+          </a:bodyPr>
+          <a:lstStyle/>
+          <a:p>
+            <a:pPr marL="342900" indent="-342900">
+              <a:buFont typeface="Arial" panose="020B0604020202020204" pitchFamily="34" charset="0"/>
+              <a:buChar char="•"/>
+              <a:defRPr/>
+            </a:pPr>
+            <a:r>
+              <a:rPr lang="en-US" dirty="0">
+                <a:solidFill>
+                  <a:srgbClr val="404040"/>
+                </a:solidFill>
+              </a:rPr>
+              <a:t>Summarizing Table</a:t>
+            </a:r>
+          </a:p>
+          <a:p>
+            <a:pPr marL="800100" lvl="1" indent="-342900">
+              <a:buFont typeface="Arial" panose="020B0604020202020204" pitchFamily="34" charset="0"/>
+              <a:buChar char="•"/>
+              <a:defRPr/>
+            </a:pPr>
+            <a:endParaRPr lang="en-US" dirty="0">
+              <a:solidFill>
+                <a:srgbClr val="404040"/>
+              </a:solidFill>
+            </a:endParaRPr>
+          </a:p>
+          <a:p>
+            <a:pPr marL="800100" lvl="1" indent="-342900">
+              <a:buFont typeface="Arial" panose="020B0604020202020204" pitchFamily="34" charset="0"/>
+              <a:buChar char="•"/>
+              <a:defRPr/>
+            </a:pPr>
+            <a:r>
+              <a:rPr lang="en-US" dirty="0">
+                <a:solidFill>
+                  <a:srgbClr val="404040"/>
+                </a:solidFill>
+              </a:rPr>
+              <a:t>Evaluate MB, MAE, and RMSE on Test Data to Choose Best Model Going Forward</a:t>
+            </a:r>
+          </a:p>
+          <a:p>
+            <a:pPr marL="800100" lvl="1" indent="-342900">
+              <a:buFont typeface="Arial" panose="020B0604020202020204" pitchFamily="34" charset="0"/>
+              <a:buChar char="•"/>
+              <a:defRPr/>
+            </a:pPr>
+            <a:endParaRPr lang="en-US" dirty="0">
+              <a:solidFill>
+                <a:srgbClr val="404040"/>
+              </a:solidFill>
+            </a:endParaRPr>
+          </a:p>
+          <a:p>
+            <a:pPr marL="800100" lvl="1" indent="-342900">
+              <a:buFont typeface="Arial" panose="020B0604020202020204" pitchFamily="34" charset="0"/>
+              <a:buChar char="•"/>
+              <a:defRPr/>
+            </a:pPr>
+            <a:r>
+              <a:rPr lang="en-US" dirty="0">
+                <a:solidFill>
+                  <a:srgbClr val="404040"/>
+                </a:solidFill>
+              </a:rPr>
+              <a:t>Sketch of Table We Want</a:t>
+            </a:r>
+          </a:p>
+          <a:p>
+            <a:pPr marL="800100" lvl="1" indent="-342900">
+              <a:buFont typeface="Arial" panose="020B0604020202020204" pitchFamily="34" charset="0"/>
+              <a:buChar char="•"/>
+              <a:defRPr/>
+            </a:pPr>
+            <a:endParaRPr lang="en-US" dirty="0">
+              <a:solidFill>
+                <a:srgbClr val="404040"/>
+              </a:solidFill>
+            </a:endParaRPr>
+          </a:p>
+          <a:p>
+            <a:pPr marL="800100" lvl="1" indent="-342900">
+              <a:buFont typeface="Arial" panose="020B0604020202020204" pitchFamily="34" charset="0"/>
+              <a:buChar char="•"/>
+              <a:defRPr/>
+            </a:pPr>
+            <a:endParaRPr lang="en-US" dirty="0">
+              <a:solidFill>
+                <a:srgbClr val="404040"/>
+              </a:solidFill>
+            </a:endParaRPr>
+          </a:p>
+          <a:p>
+            <a:pPr marL="800100" lvl="1" indent="-342900">
+              <a:buFont typeface="Arial" panose="020B0604020202020204" pitchFamily="34" charset="0"/>
+              <a:buChar char="•"/>
+              <a:defRPr/>
+            </a:pPr>
+            <a:endParaRPr lang="en-US" dirty="0">
+              <a:solidFill>
+                <a:srgbClr val="404040"/>
+              </a:solidFill>
+            </a:endParaRPr>
+          </a:p>
+          <a:p>
+            <a:pPr marL="800100" lvl="1" indent="-342900">
+              <a:buFont typeface="Arial" panose="020B0604020202020204" pitchFamily="34" charset="0"/>
+              <a:buChar char="•"/>
+              <a:defRPr/>
+            </a:pPr>
+            <a:endParaRPr lang="en-US" dirty="0">
+              <a:solidFill>
+                <a:srgbClr val="404040"/>
+              </a:solidFill>
+            </a:endParaRPr>
+          </a:p>
+          <a:p>
+            <a:pPr marL="800100" lvl="1" indent="-342900">
+              <a:buFont typeface="Arial" panose="020B0604020202020204" pitchFamily="34" charset="0"/>
+              <a:buChar char="•"/>
+              <a:defRPr/>
+            </a:pPr>
+            <a:endParaRPr lang="en-US" dirty="0">
+              <a:solidFill>
+                <a:srgbClr val="404040"/>
+              </a:solidFill>
+            </a:endParaRPr>
+          </a:p>
+          <a:p>
+            <a:pPr marL="800100" lvl="1" indent="-342900">
+              <a:buFont typeface="Arial" panose="020B0604020202020204" pitchFamily="34" charset="0"/>
+              <a:buChar char="•"/>
+              <a:defRPr/>
+            </a:pPr>
+            <a:endParaRPr lang="en-US" dirty="0">
+              <a:solidFill>
+                <a:srgbClr val="404040"/>
+              </a:solidFill>
+            </a:endParaRPr>
+          </a:p>
+          <a:p>
+            <a:pPr lvl="1">
+              <a:defRPr/>
+            </a:pPr>
+            <a:endParaRPr lang="en-US" dirty="0">
+              <a:solidFill>
+                <a:srgbClr val="404040"/>
+              </a:solidFill>
+            </a:endParaRPr>
+          </a:p>
+          <a:p>
+            <a:pPr marL="800100" lvl="1" indent="-342900">
+              <a:buFont typeface="Arial" panose="020B0604020202020204" pitchFamily="34" charset="0"/>
+              <a:buChar char="•"/>
+              <a:defRPr/>
+            </a:pPr>
+            <a:r>
+              <a:rPr lang="en-US" dirty="0">
+                <a:solidFill>
+                  <a:srgbClr val="404040"/>
+                </a:solidFill>
+              </a:rPr>
+              <a:t>Before Writing Code, Have a Plan for the Output</a:t>
+            </a:r>
+          </a:p>
+        </p:txBody>
+      </p:sp>
+      <p:graphicFrame>
+        <p:nvGraphicFramePr>
+          <p:cNvPr id="3" name="Table 2">
+            <a:extLst>
+              <a:ext uri="{FF2B5EF4-FFF2-40B4-BE49-F238E27FC236}">
+                <a16:creationId xmlns:a16="http://schemas.microsoft.com/office/drawing/2014/main" id="{06296BFA-8D27-42FF-A57E-FE8A1C557BAC}"/>
+              </a:ext>
+            </a:extLst>
+          </p:cNvPr>
+          <p:cNvGraphicFramePr>
+            <a:graphicFrameLocks noGrp="1"/>
+          </p:cNvGraphicFramePr>
+          <p:nvPr>
+            <p:extLst>
+              <p:ext uri="{D42A27DB-BD31-4B8C-83A1-F6EECF244321}">
+                <p14:modId xmlns:p14="http://schemas.microsoft.com/office/powerpoint/2010/main" val="1360459367"/>
+              </p:ext>
+            </p:extLst>
+          </p:nvPr>
+        </p:nvGraphicFramePr>
+        <p:xfrm>
+          <a:off x="3708400" y="3124200"/>
+          <a:ext cx="5191884" cy="2368800"/>
+        </p:xfrm>
+        <a:graphic>
+          <a:graphicData uri="http://schemas.openxmlformats.org/drawingml/2006/table">
+            <a:tbl>
+              <a:tblPr firstRow="1" bandRow="1">
+                <a:tableStyleId>{37CE84F3-28C3-443E-9E96-99CF82512B78}</a:tableStyleId>
+              </a:tblPr>
+              <a:tblGrid>
+                <a:gridCol w="1297971">
+                  <a:extLst>
+                    <a:ext uri="{9D8B030D-6E8A-4147-A177-3AD203B41FA5}">
+                      <a16:colId xmlns:a16="http://schemas.microsoft.com/office/drawing/2014/main" val="3347843076"/>
+                    </a:ext>
+                  </a:extLst>
+                </a:gridCol>
+                <a:gridCol w="1297971">
+                  <a:extLst>
+                    <a:ext uri="{9D8B030D-6E8A-4147-A177-3AD203B41FA5}">
+                      <a16:colId xmlns:a16="http://schemas.microsoft.com/office/drawing/2014/main" val="2640657503"/>
+                    </a:ext>
+                  </a:extLst>
+                </a:gridCol>
+                <a:gridCol w="1297971">
+                  <a:extLst>
+                    <a:ext uri="{9D8B030D-6E8A-4147-A177-3AD203B41FA5}">
+                      <a16:colId xmlns:a16="http://schemas.microsoft.com/office/drawing/2014/main" val="2561996382"/>
+                    </a:ext>
+                  </a:extLst>
+                </a:gridCol>
+                <a:gridCol w="1297971">
+                  <a:extLst>
+                    <a:ext uri="{9D8B030D-6E8A-4147-A177-3AD203B41FA5}">
+                      <a16:colId xmlns:a16="http://schemas.microsoft.com/office/drawing/2014/main" val="2529168463"/>
+                    </a:ext>
+                  </a:extLst>
+                </a:gridCol>
+              </a:tblGrid>
+              <a:tr h="394800">
+                <a:tc>
+                  <a:txBody>
+                    <a:bodyPr/>
+                    <a:lstStyle/>
+                    <a:p>
+                      <a:r>
+                        <a:rPr lang="en-US" sz="1900" dirty="0"/>
+                        <a:t>Model</a:t>
+                      </a:r>
+                    </a:p>
+                  </a:txBody>
+                  <a:tcPr marL="97349" marR="97349" marT="48673" marB="48673"/>
+                </a:tc>
+                <a:tc>
+                  <a:txBody>
+                    <a:bodyPr/>
+                    <a:lstStyle/>
+                    <a:p>
+                      <a:r>
+                        <a:rPr lang="en-US" sz="1900" dirty="0"/>
+                        <a:t>MB</a:t>
+                      </a:r>
+                    </a:p>
+                  </a:txBody>
+                  <a:tcPr marL="97349" marR="97349" marT="48673" marB="48673"/>
+                </a:tc>
+                <a:tc>
+                  <a:txBody>
+                    <a:bodyPr/>
+                    <a:lstStyle/>
+                    <a:p>
+                      <a:r>
+                        <a:rPr lang="en-US" sz="1900" dirty="0"/>
+                        <a:t>MAE</a:t>
+                      </a:r>
+                    </a:p>
+                  </a:txBody>
+                  <a:tcPr marL="97349" marR="97349" marT="48673" marB="48673"/>
+                </a:tc>
+                <a:tc>
+                  <a:txBody>
+                    <a:bodyPr/>
+                    <a:lstStyle/>
+                    <a:p>
+                      <a:r>
+                        <a:rPr lang="en-US" sz="1900" dirty="0"/>
+                        <a:t>RMSE</a:t>
+                      </a:r>
+                    </a:p>
+                  </a:txBody>
+                  <a:tcPr marL="97349" marR="97349" marT="48673" marB="48673"/>
+                </a:tc>
+                <a:extLst>
+                  <a:ext uri="{0D108BD9-81ED-4DB2-BD59-A6C34878D82A}">
+                    <a16:rowId xmlns:a16="http://schemas.microsoft.com/office/drawing/2014/main" val="832117637"/>
+                  </a:ext>
+                </a:extLst>
+              </a:tr>
+              <a:tr h="394800">
+                <a:tc>
+                  <a:txBody>
+                    <a:bodyPr/>
+                    <a:lstStyle/>
+                    <a:p>
+                      <a:r>
+                        <a:rPr lang="en-US" sz="1900" dirty="0"/>
+                        <a:t>Linear</a:t>
+                      </a:r>
+                    </a:p>
+                  </a:txBody>
+                  <a:tcPr marL="97349" marR="97349" marT="48673" marB="48673"/>
+                </a:tc>
+                <a:tc>
+                  <a:txBody>
+                    <a:bodyPr/>
+                    <a:lstStyle/>
+                    <a:p>
+                      <a:endParaRPr lang="en-US" sz="1900" dirty="0"/>
+                    </a:p>
+                  </a:txBody>
+                  <a:tcPr marL="97349" marR="97349" marT="48673" marB="48673"/>
+                </a:tc>
+                <a:tc>
+                  <a:txBody>
+                    <a:bodyPr/>
+                    <a:lstStyle/>
+                    <a:p>
+                      <a:endParaRPr lang="en-US" sz="1900"/>
+                    </a:p>
+                  </a:txBody>
+                  <a:tcPr marL="97349" marR="97349" marT="48673" marB="48673"/>
+                </a:tc>
+                <a:tc>
+                  <a:txBody>
+                    <a:bodyPr/>
+                    <a:lstStyle/>
+                    <a:p>
+                      <a:endParaRPr lang="en-US" sz="1900"/>
+                    </a:p>
+                  </a:txBody>
+                  <a:tcPr marL="97349" marR="97349" marT="48673" marB="48673"/>
+                </a:tc>
+                <a:extLst>
+                  <a:ext uri="{0D108BD9-81ED-4DB2-BD59-A6C34878D82A}">
+                    <a16:rowId xmlns:a16="http://schemas.microsoft.com/office/drawing/2014/main" val="103233703"/>
+                  </a:ext>
+                </a:extLst>
+              </a:tr>
+              <a:tr h="394800">
+                <a:tc>
+                  <a:txBody>
+                    <a:bodyPr/>
+                    <a:lstStyle/>
+                    <a:p>
+                      <a:r>
+                        <a:rPr lang="en-US" sz="1900" dirty="0"/>
+                        <a:t>Poly(2)</a:t>
+                      </a:r>
+                    </a:p>
+                  </a:txBody>
+                  <a:tcPr marL="97349" marR="97349" marT="48673" marB="48673"/>
+                </a:tc>
+                <a:tc>
+                  <a:txBody>
+                    <a:bodyPr/>
+                    <a:lstStyle/>
+                    <a:p>
+                      <a:endParaRPr lang="en-US" sz="1900"/>
+                    </a:p>
+                  </a:txBody>
+                  <a:tcPr marL="97349" marR="97349" marT="48673" marB="48673"/>
+                </a:tc>
+                <a:tc>
+                  <a:txBody>
+                    <a:bodyPr/>
+                    <a:lstStyle/>
+                    <a:p>
+                      <a:endParaRPr lang="en-US" sz="1900"/>
+                    </a:p>
+                  </a:txBody>
+                  <a:tcPr marL="97349" marR="97349" marT="48673" marB="48673"/>
+                </a:tc>
+                <a:tc>
+                  <a:txBody>
+                    <a:bodyPr/>
+                    <a:lstStyle/>
+                    <a:p>
+                      <a:endParaRPr lang="en-US" sz="1900"/>
+                    </a:p>
+                  </a:txBody>
+                  <a:tcPr marL="97349" marR="97349" marT="48673" marB="48673"/>
+                </a:tc>
+                <a:extLst>
+                  <a:ext uri="{0D108BD9-81ED-4DB2-BD59-A6C34878D82A}">
+                    <a16:rowId xmlns:a16="http://schemas.microsoft.com/office/drawing/2014/main" val="1424126479"/>
+                  </a:ext>
+                </a:extLst>
+              </a:tr>
+              <a:tr h="394800">
+                <a:tc>
+                  <a:txBody>
+                    <a:bodyPr/>
+                    <a:lstStyle/>
+                    <a:p>
+                      <a:r>
+                        <a:rPr lang="en-US" sz="1900" dirty="0"/>
+                        <a:t>Poly(3)</a:t>
+                      </a:r>
+                    </a:p>
+                  </a:txBody>
+                  <a:tcPr marL="97349" marR="97349" marT="48673" marB="48673"/>
+                </a:tc>
+                <a:tc>
+                  <a:txBody>
+                    <a:bodyPr/>
+                    <a:lstStyle/>
+                    <a:p>
+                      <a:endParaRPr lang="en-US" sz="1900"/>
+                    </a:p>
+                  </a:txBody>
+                  <a:tcPr marL="97349" marR="97349" marT="48673" marB="48673"/>
+                </a:tc>
+                <a:tc>
+                  <a:txBody>
+                    <a:bodyPr/>
+                    <a:lstStyle/>
+                    <a:p>
+                      <a:endParaRPr lang="en-US" sz="1900"/>
+                    </a:p>
+                  </a:txBody>
+                  <a:tcPr marL="97349" marR="97349" marT="48673" marB="48673"/>
+                </a:tc>
+                <a:tc>
+                  <a:txBody>
+                    <a:bodyPr/>
+                    <a:lstStyle/>
+                    <a:p>
+                      <a:endParaRPr lang="en-US" sz="1900"/>
+                    </a:p>
+                  </a:txBody>
+                  <a:tcPr marL="97349" marR="97349" marT="48673" marB="48673"/>
+                </a:tc>
+                <a:extLst>
+                  <a:ext uri="{0D108BD9-81ED-4DB2-BD59-A6C34878D82A}">
+                    <a16:rowId xmlns:a16="http://schemas.microsoft.com/office/drawing/2014/main" val="2371145435"/>
+                  </a:ext>
+                </a:extLst>
+              </a:tr>
+              <a:tr h="394800">
+                <a:tc>
+                  <a:txBody>
+                    <a:bodyPr/>
+                    <a:lstStyle/>
+                    <a:p>
+                      <a:r>
+                        <a:rPr lang="en-US" sz="1900" dirty="0"/>
+                        <a:t>Poly(4)</a:t>
+                      </a:r>
+                    </a:p>
+                  </a:txBody>
+                  <a:tcPr marL="97349" marR="97349" marT="48673" marB="48673"/>
+                </a:tc>
+                <a:tc>
+                  <a:txBody>
+                    <a:bodyPr/>
+                    <a:lstStyle/>
+                    <a:p>
+                      <a:endParaRPr lang="en-US" sz="1900" dirty="0"/>
+                    </a:p>
+                  </a:txBody>
+                  <a:tcPr marL="97349" marR="97349" marT="48673" marB="48673"/>
+                </a:tc>
+                <a:tc>
+                  <a:txBody>
+                    <a:bodyPr/>
+                    <a:lstStyle/>
+                    <a:p>
+                      <a:endParaRPr lang="en-US" sz="1900" dirty="0"/>
+                    </a:p>
+                  </a:txBody>
+                  <a:tcPr marL="97349" marR="97349" marT="48673" marB="48673"/>
+                </a:tc>
+                <a:tc>
+                  <a:txBody>
+                    <a:bodyPr/>
+                    <a:lstStyle/>
+                    <a:p>
+                      <a:endParaRPr lang="en-US" sz="1900" dirty="0"/>
+                    </a:p>
+                  </a:txBody>
+                  <a:tcPr marL="97349" marR="97349" marT="48673" marB="48673"/>
+                </a:tc>
+                <a:extLst>
+                  <a:ext uri="{0D108BD9-81ED-4DB2-BD59-A6C34878D82A}">
+                    <a16:rowId xmlns:a16="http://schemas.microsoft.com/office/drawing/2014/main" val="2228928253"/>
+                  </a:ext>
+                </a:extLst>
+              </a:tr>
+              <a:tr h="394800">
+                <a:tc>
+                  <a:txBody>
+                    <a:bodyPr/>
+                    <a:lstStyle/>
+                    <a:p>
+                      <a:r>
+                        <a:rPr lang="en-US" sz="1900" dirty="0"/>
+                        <a:t>Logistic</a:t>
+                      </a:r>
+                    </a:p>
+                  </a:txBody>
+                  <a:tcPr marL="97349" marR="97349" marT="48673" marB="48673"/>
+                </a:tc>
+                <a:tc>
+                  <a:txBody>
+                    <a:bodyPr/>
+                    <a:lstStyle/>
+                    <a:p>
+                      <a:endParaRPr lang="en-US" sz="1900" dirty="0"/>
+                    </a:p>
+                  </a:txBody>
+                  <a:tcPr marL="97349" marR="97349" marT="48673" marB="48673"/>
+                </a:tc>
+                <a:tc>
+                  <a:txBody>
+                    <a:bodyPr/>
+                    <a:lstStyle/>
+                    <a:p>
+                      <a:endParaRPr lang="en-US" sz="1900" dirty="0"/>
+                    </a:p>
+                  </a:txBody>
+                  <a:tcPr marL="97349" marR="97349" marT="48673" marB="48673"/>
+                </a:tc>
+                <a:tc>
+                  <a:txBody>
+                    <a:bodyPr/>
+                    <a:lstStyle/>
+                    <a:p>
+                      <a:endParaRPr lang="en-US" sz="1900" dirty="0"/>
+                    </a:p>
+                  </a:txBody>
+                  <a:tcPr marL="97349" marR="97349" marT="48673" marB="48673"/>
+                </a:tc>
+                <a:extLst>
+                  <a:ext uri="{0D108BD9-81ED-4DB2-BD59-A6C34878D82A}">
+                    <a16:rowId xmlns:a16="http://schemas.microsoft.com/office/drawing/2014/main" val="3969670882"/>
+                  </a:ext>
+                </a:extLst>
+              </a:tr>
+            </a:tbl>
+          </a:graphicData>
+        </a:graphic>
+      </p:graphicFrame>
+    </p:spTree>
+    <p:custDataLst>
+      <p:tags r:id="rId1"/>
+    </p:custDataLst>
+    <p:extLst>
+      <p:ext uri="{BB962C8B-B14F-4D97-AF65-F5344CB8AC3E}">
+        <p14:creationId xmlns:p14="http://schemas.microsoft.com/office/powerpoint/2010/main" val="2239318825"/>
+      </p:ext>
+    </p:extLst>
+  </p:cSld>
+  <p:clrMapOvr>
+    <a:masterClrMapping/>
+  </p:clrMapOvr>
+</p:sld>
+</file>
+
+<file path=ppt/slides/slide16.xml><?xml version="1.0" encoding="utf-8"?>
+<p:sld xmlns:a="http://schemas.openxmlformats.org/drawingml/2006/main" xmlns:r="http://schemas.openxmlformats.org/officeDocument/2006/relationships" xmlns:p="http://schemas.openxmlformats.org/presentationml/2006/main">
+  <p:cSld>
+    <p:bg>
+      <p:bgPr>
+        <a:solidFill>
+          <a:schemeClr val="bg1">
+            <a:lumMod val="85000"/>
+          </a:schemeClr>
+        </a:solidFill>
+        <a:effectLst/>
+      </p:bgPr>
+    </p:bg>
+    <p:spTree>
+      <p:nvGrpSpPr>
+        <p:cNvPr id="1" name=""/>
+        <p:cNvGrpSpPr/>
+        <p:nvPr/>
+      </p:nvGrpSpPr>
+      <p:grpSpPr>
+        <a:xfrm>
+          <a:off x="0" y="0"/>
+          <a:ext cx="0" cy="0"/>
+          <a:chOff x="0" y="0"/>
+          <a:chExt cx="0" cy="0"/>
+        </a:xfrm>
+      </p:grpSpPr>
+      <p:sp>
+        <p:nvSpPr>
+          <p:cNvPr id="15" name="Rectangle 12">
+            <a:extLst>
+              <a:ext uri="{FF2B5EF4-FFF2-40B4-BE49-F238E27FC236}">
+                <a16:creationId xmlns:a16="http://schemas.microsoft.com/office/drawing/2014/main" id="{867D4867-5BA7-4462-B2F6-A23F4A622AA7}"/>
+              </a:ext>
+              <a:ext uri="{C183D7F6-B498-43B3-948B-1728B52AA6E4}">
+                <adec:decorative xmlns:adec="http://schemas.microsoft.com/office/drawing/2017/decorative" val="1"/>
+              </a:ext>
+            </a:extLst>
+          </p:cNvPr>
+          <p:cNvSpPr>
+            <a:spLocks noGrp="1" noRot="1" noChangeAspect="1" noMove="1" noResize="1" noEditPoints="1" noAdjustHandles="1" noChangeArrowheads="1" noChangeShapeType="1" noTextEdit="1"/>
+          </p:cNvSpPr>
+          <p:nvPr>
+            <p:extLst>
+              <p:ext uri="{386F3935-93C4-4BCD-93E2-E3B085C9AB24}">
+                <p16:designElem xmlns:p16="http://schemas.microsoft.com/office/powerpoint/2015/main" val="1"/>
+              </p:ext>
+            </p:extLst>
+          </p:nvPr>
+        </p:nvSpPr>
+        <p:spPr>
+          <a:xfrm>
+            <a:off x="0" y="0"/>
+            <a:ext cx="3490722" cy="6858000"/>
+          </a:xfrm>
+          <a:prstGeom prst="rect">
+            <a:avLst/>
+          </a:prstGeom>
+          <a:solidFill>
+            <a:schemeClr val="tx1">
+              <a:lumMod val="75000"/>
+              <a:lumOff val="25000"/>
+            </a:schemeClr>
+          </a:solidFill>
+          <a:ln>
+            <a:noFill/>
+          </a:ln>
+        </p:spPr>
+        <p:style>
+          <a:lnRef idx="0">
+            <a:scrgbClr r="0" g="0" b="0"/>
+          </a:lnRef>
+          <a:fillRef idx="0">
+            <a:scrgbClr r="0" g="0" b="0"/>
+          </a:fillRef>
+          <a:effectRef idx="0">
+            <a:scrgbClr r="0" g="0" b="0"/>
+          </a:effectRef>
+          <a:fontRef idx="minor">
+            <a:schemeClr val="lt1"/>
+          </a:fontRef>
+        </p:style>
+        <p:txBody>
+          <a:bodyPr rtlCol="0" anchor="ctr"/>
+          <a:lstStyle/>
+          <a:p>
+            <a:pPr marL="0" marR="0" lvl="0" indent="0" algn="ctr" defTabSz="457200" rtl="0" eaLnBrk="1" fontAlgn="base" latinLnBrk="0" hangingPunct="1">
+              <a:lnSpc>
+                <a:spcPct val="100000"/>
+              </a:lnSpc>
+              <a:spcBef>
+                <a:spcPct val="0"/>
+              </a:spcBef>
+              <a:spcAft>
+                <a:spcPct val="0"/>
+              </a:spcAft>
+              <a:buClrTx/>
+              <a:buSzTx/>
+              <a:buFontTx/>
+              <a:buNone/>
+              <a:tabLst/>
+              <a:defRPr/>
+            </a:pPr>
+            <a:endParaRPr kumimoji="0" lang="en-US" sz="2400" b="0" i="0" u="none" strike="noStrike" kern="1200" cap="none" spc="0" normalizeH="0" baseline="0" noProof="0">
+              <a:ln>
+                <a:noFill/>
+              </a:ln>
+              <a:solidFill>
+                <a:prstClr val="white"/>
+              </a:solidFill>
+              <a:effectLst/>
+              <a:uLnTx/>
+              <a:uFillTx/>
+              <a:latin typeface="Calibri"/>
+              <a:ea typeface="+mn-ea"/>
+              <a:cs typeface="+mn-cs"/>
+            </a:endParaRPr>
+          </a:p>
+        </p:txBody>
+      </p:sp>
+      <p:sp>
+        <p:nvSpPr>
+          <p:cNvPr id="2" name="Title 1"/>
+          <p:cNvSpPr>
+            <a:spLocks noGrp="1"/>
+          </p:cNvSpPr>
+          <p:nvPr>
+            <p:ph type="title"/>
+          </p:nvPr>
+        </p:nvSpPr>
+        <p:spPr>
+          <a:xfrm>
+            <a:off x="482600" y="643467"/>
+            <a:ext cx="2522980" cy="1597315"/>
+          </a:xfrm>
+          <a:noFill/>
+          <a:ln w="19050">
+            <a:solidFill>
+              <a:schemeClr val="bg1"/>
+            </a:solidFill>
+          </a:ln>
+        </p:spPr>
+        <p:txBody>
+          <a:bodyPr vert="horz" wrap="square" lIns="91440" tIns="45720" rIns="91440" bIns="45720" rtlCol="0" anchor="ctr">
+            <a:normAutofit/>
+          </a:bodyPr>
+          <a:lstStyle/>
+          <a:p>
+            <a:pPr defTabSz="914400" eaLnBrk="1" hangingPunct="1">
+              <a:lnSpc>
+                <a:spcPct val="90000"/>
+              </a:lnSpc>
+            </a:pPr>
+            <a:r>
+              <a:rPr lang="en-US" sz="2400" dirty="0">
+                <a:solidFill>
+                  <a:schemeClr val="bg1"/>
+                </a:solidFill>
+              </a:rPr>
+              <a:t>Part 6: </a:t>
+            </a:r>
+            <a:br>
+              <a:rPr lang="en-US" sz="2400" dirty="0">
+                <a:solidFill>
+                  <a:schemeClr val="bg1"/>
+                </a:solidFill>
+              </a:rPr>
+            </a:br>
+            <a:r>
+              <a:rPr lang="en-US" sz="2400" dirty="0">
+                <a:solidFill>
+                  <a:schemeClr val="bg1"/>
+                </a:solidFill>
+              </a:rPr>
+              <a:t>Evaluation by </a:t>
+            </a:r>
+            <a:br>
+              <a:rPr lang="en-US" sz="2400" dirty="0">
+                <a:solidFill>
+                  <a:schemeClr val="bg1"/>
+                </a:solidFill>
+              </a:rPr>
+            </a:br>
+            <a:r>
+              <a:rPr lang="en-US" sz="2400" dirty="0">
+                <a:solidFill>
+                  <a:schemeClr val="bg1"/>
+                </a:solidFill>
+              </a:rPr>
+              <a:t>Numerical Summary</a:t>
+            </a:r>
+            <a:endParaRPr lang="en-US" sz="2400" kern="1200" dirty="0">
+              <a:solidFill>
+                <a:schemeClr val="bg1"/>
+              </a:solidFill>
+              <a:latin typeface="+mj-lt"/>
+              <a:ea typeface="+mj-ea"/>
+              <a:cs typeface="+mj-cs"/>
+            </a:endParaRPr>
+          </a:p>
+        </p:txBody>
+      </p:sp>
+      <p:pic>
+        <p:nvPicPr>
+          <p:cNvPr id="8" name="Picture 7">
+            <a:extLst>
+              <a:ext uri="{FF2B5EF4-FFF2-40B4-BE49-F238E27FC236}">
+                <a16:creationId xmlns:a16="http://schemas.microsoft.com/office/drawing/2014/main" id="{521D4292-9ECC-4DA5-8CC0-C561A0DA118E}"/>
+              </a:ext>
+            </a:extLst>
+          </p:cNvPr>
+          <p:cNvPicPr>
+            <a:picLocks noChangeAspect="1"/>
+          </p:cNvPicPr>
+          <p:nvPr/>
+        </p:nvPicPr>
+        <p:blipFill rotWithShape="1">
+          <a:blip r:embed="rId3"/>
+          <a:srcRect l="8000" r="9400"/>
+          <a:stretch/>
+        </p:blipFill>
+        <p:spPr>
+          <a:xfrm>
+            <a:off x="660103" y="3048000"/>
+            <a:ext cx="2167974" cy="2624666"/>
+          </a:xfrm>
+          <a:prstGeom prst="rect">
+            <a:avLst/>
+          </a:prstGeom>
+          <a:noFill/>
+        </p:spPr>
+      </p:pic>
+      <p:sp>
+        <p:nvSpPr>
+          <p:cNvPr id="7" name="TextBox 6">
+            <a:extLst>
+              <a:ext uri="{FF2B5EF4-FFF2-40B4-BE49-F238E27FC236}">
+                <a16:creationId xmlns:a16="http://schemas.microsoft.com/office/drawing/2014/main" id="{DF060353-BDFF-427E-8ABE-861948AE3B71}"/>
+              </a:ext>
+            </a:extLst>
+          </p:cNvPr>
+          <p:cNvSpPr txBox="1"/>
+          <p:nvPr/>
+        </p:nvSpPr>
+        <p:spPr>
+          <a:xfrm>
+            <a:off x="3810000" y="506762"/>
+            <a:ext cx="5334000" cy="6370975"/>
+          </a:xfrm>
+          <a:prstGeom prst="rect">
+            <a:avLst/>
+          </a:prstGeom>
+          <a:noFill/>
+        </p:spPr>
+        <p:txBody>
+          <a:bodyPr wrap="square" rtlCol="0">
+            <a:spAutoFit/>
+          </a:bodyPr>
+          <a:lstStyle/>
+          <a:p>
+            <a:pPr marL="342900" indent="-342900">
+              <a:buFont typeface="Arial" panose="020B0604020202020204" pitchFamily="34" charset="0"/>
+              <a:buChar char="•"/>
+              <a:defRPr/>
+            </a:pPr>
+            <a:r>
+              <a:rPr lang="en-US" dirty="0">
+                <a:solidFill>
+                  <a:srgbClr val="404040"/>
+                </a:solidFill>
+              </a:rPr>
+              <a:t>Chunk 2</a:t>
+            </a:r>
+          </a:p>
+          <a:p>
+            <a:pPr marL="800100" lvl="1" indent="-342900">
+              <a:buFont typeface="Arial" panose="020B0604020202020204" pitchFamily="34" charset="0"/>
+              <a:buChar char="•"/>
+              <a:defRPr/>
+            </a:pPr>
+            <a:endParaRPr lang="en-US" dirty="0">
+              <a:solidFill>
+                <a:srgbClr val="404040"/>
+              </a:solidFill>
+            </a:endParaRPr>
+          </a:p>
+          <a:p>
+            <a:pPr marL="800100" lvl="1" indent="-342900">
+              <a:buFont typeface="Arial" panose="020B0604020202020204" pitchFamily="34" charset="0"/>
+              <a:buChar char="•"/>
+              <a:defRPr/>
+            </a:pPr>
+            <a:r>
+              <a:rPr lang="en-US" dirty="0">
+                <a:solidFill>
+                  <a:srgbClr val="404040"/>
+                </a:solidFill>
+              </a:rPr>
+              <a:t>Run Line-By-Line</a:t>
+            </a:r>
+          </a:p>
+          <a:p>
+            <a:pPr marL="800100" lvl="1" indent="-342900">
+              <a:buFont typeface="Arial" panose="020B0604020202020204" pitchFamily="34" charset="0"/>
+              <a:buChar char="•"/>
+              <a:defRPr/>
+            </a:pPr>
+            <a:r>
+              <a:rPr lang="en-US" dirty="0">
+                <a:solidFill>
+                  <a:srgbClr val="404040"/>
+                </a:solidFill>
+              </a:rPr>
+              <a:t>Think About Ways to Quickly Apply All 3 Functions to All Residuals</a:t>
+            </a:r>
+          </a:p>
+          <a:p>
+            <a:pPr marL="800100" lvl="1" indent="-342900">
+              <a:buFont typeface="Arial" panose="020B0604020202020204" pitchFamily="34" charset="0"/>
+              <a:buChar char="•"/>
+              <a:defRPr/>
+            </a:pPr>
+            <a:endParaRPr lang="en-US" dirty="0">
+              <a:solidFill>
+                <a:srgbClr val="404040"/>
+              </a:solidFill>
+            </a:endParaRPr>
+          </a:p>
+          <a:p>
+            <a:pPr marL="342900" indent="-342900">
+              <a:buFont typeface="Arial" panose="020B0604020202020204" pitchFamily="34" charset="0"/>
+              <a:buChar char="•"/>
+              <a:defRPr/>
+            </a:pPr>
+            <a:r>
+              <a:rPr lang="en-US" dirty="0">
+                <a:solidFill>
+                  <a:srgbClr val="404040"/>
+                </a:solidFill>
+              </a:rPr>
+              <a:t>Run Chunk 3</a:t>
+            </a:r>
+          </a:p>
+          <a:p>
+            <a:pPr marL="342900" indent="-342900">
+              <a:buFont typeface="Arial" panose="020B0604020202020204" pitchFamily="34" charset="0"/>
+              <a:buChar char="•"/>
+              <a:defRPr/>
+            </a:pPr>
+            <a:endParaRPr lang="en-US" dirty="0">
+              <a:solidFill>
+                <a:srgbClr val="404040"/>
+              </a:solidFill>
+            </a:endParaRPr>
+          </a:p>
+          <a:p>
+            <a:pPr marL="800100" lvl="1" indent="-342900">
+              <a:buFont typeface="Arial" panose="020B0604020202020204" pitchFamily="34" charset="0"/>
+              <a:buChar char="•"/>
+              <a:defRPr/>
+            </a:pPr>
+            <a:r>
+              <a:rPr lang="en-US" dirty="0">
+                <a:solidFill>
+                  <a:srgbClr val="404040"/>
+                </a:solidFill>
+              </a:rPr>
+              <a:t>Combine rename(), gather(), </a:t>
+            </a:r>
+            <a:r>
+              <a:rPr lang="en-US" dirty="0" err="1">
+                <a:solidFill>
+                  <a:srgbClr val="404040"/>
+                </a:solidFill>
+              </a:rPr>
+              <a:t>group_by</a:t>
+            </a:r>
+            <a:r>
+              <a:rPr lang="en-US" dirty="0">
+                <a:solidFill>
+                  <a:srgbClr val="404040"/>
+                </a:solidFill>
+              </a:rPr>
+              <a:t>(), and summarize()</a:t>
+            </a:r>
+          </a:p>
+          <a:p>
+            <a:pPr marL="342900" indent="-342900">
+              <a:buFont typeface="Arial" panose="020B0604020202020204" pitchFamily="34" charset="0"/>
+              <a:buChar char="•"/>
+              <a:defRPr/>
+            </a:pPr>
+            <a:endParaRPr lang="en-US" dirty="0">
+              <a:solidFill>
+                <a:srgbClr val="404040"/>
+              </a:solidFill>
+            </a:endParaRPr>
+          </a:p>
+          <a:p>
+            <a:pPr marL="342900" indent="-342900">
+              <a:buFont typeface="Arial" panose="020B0604020202020204" pitchFamily="34" charset="0"/>
+              <a:buChar char="•"/>
+              <a:defRPr/>
+            </a:pPr>
+            <a:r>
+              <a:rPr lang="en-US" dirty="0">
+                <a:solidFill>
+                  <a:srgbClr val="404040"/>
+                </a:solidFill>
+              </a:rPr>
+              <a:t>Chunk 4</a:t>
+            </a:r>
+          </a:p>
+          <a:p>
+            <a:pPr>
+              <a:defRPr/>
+            </a:pPr>
+            <a:endParaRPr lang="en-US" dirty="0">
+              <a:solidFill>
+                <a:srgbClr val="404040"/>
+              </a:solidFill>
+            </a:endParaRPr>
+          </a:p>
+          <a:p>
+            <a:pPr marL="800100" lvl="1" indent="-342900">
+              <a:buFont typeface="Arial" panose="020B0604020202020204" pitchFamily="34" charset="0"/>
+              <a:buChar char="•"/>
+              <a:defRPr/>
+            </a:pPr>
+            <a:r>
+              <a:rPr lang="en-US" dirty="0">
+                <a:solidFill>
+                  <a:srgbClr val="404040"/>
+                </a:solidFill>
+              </a:rPr>
+              <a:t>Change eval=F to eval=T and Knit the File (What is Seen?)</a:t>
+            </a:r>
+          </a:p>
+          <a:p>
+            <a:pPr marL="800100" lvl="1" indent="-342900">
+              <a:buFont typeface="Arial" panose="020B0604020202020204" pitchFamily="34" charset="0"/>
+              <a:buChar char="•"/>
+              <a:defRPr/>
+            </a:pPr>
+            <a:endParaRPr lang="en-US" dirty="0">
+              <a:solidFill>
+                <a:srgbClr val="404040"/>
+              </a:solidFill>
+            </a:endParaRPr>
+          </a:p>
+        </p:txBody>
+      </p:sp>
+    </p:spTree>
+    <p:custDataLst>
+      <p:tags r:id="rId1"/>
+    </p:custDataLst>
+    <p:extLst>
+      <p:ext uri="{BB962C8B-B14F-4D97-AF65-F5344CB8AC3E}">
+        <p14:creationId xmlns:p14="http://schemas.microsoft.com/office/powerpoint/2010/main" val="1602792954"/>
+      </p:ext>
+    </p:extLst>
+  </p:cSld>
+  <p:clrMapOvr>
+    <a:masterClrMapping/>
+  </p:clrMapOvr>
+</p:sld>
+</file>
+
+<file path=ppt/slides/slide17.xml><?xml version="1.0" encoding="utf-8"?>
+<p:sld xmlns:a="http://schemas.openxmlformats.org/drawingml/2006/main" xmlns:r="http://schemas.openxmlformats.org/officeDocument/2006/relationships" xmlns:p="http://schemas.openxmlformats.org/presentationml/2006/main">
+  <p:cSld>
+    <p:bg>
+      <p:bgPr>
+        <a:solidFill>
+          <a:schemeClr val="bg1">
+            <a:lumMod val="85000"/>
+          </a:schemeClr>
+        </a:solidFill>
+        <a:effectLst/>
+      </p:bgPr>
+    </p:bg>
+    <p:spTree>
+      <p:nvGrpSpPr>
+        <p:cNvPr id="1" name=""/>
+        <p:cNvGrpSpPr/>
+        <p:nvPr/>
+      </p:nvGrpSpPr>
+      <p:grpSpPr>
+        <a:xfrm>
+          <a:off x="0" y="0"/>
+          <a:ext cx="0" cy="0"/>
+          <a:chOff x="0" y="0"/>
+          <a:chExt cx="0" cy="0"/>
+        </a:xfrm>
+      </p:grpSpPr>
+      <p:sp>
+        <p:nvSpPr>
+          <p:cNvPr id="15" name="Rectangle 12">
+            <a:extLst>
+              <a:ext uri="{FF2B5EF4-FFF2-40B4-BE49-F238E27FC236}">
+                <a16:creationId xmlns:a16="http://schemas.microsoft.com/office/drawing/2014/main" id="{867D4867-5BA7-4462-B2F6-A23F4A622AA7}"/>
+              </a:ext>
+              <a:ext uri="{C183D7F6-B498-43B3-948B-1728B52AA6E4}">
+                <adec:decorative xmlns:adec="http://schemas.microsoft.com/office/drawing/2017/decorative" val="1"/>
+              </a:ext>
+            </a:extLst>
+          </p:cNvPr>
+          <p:cNvSpPr>
+            <a:spLocks noGrp="1" noRot="1" noChangeAspect="1" noMove="1" noResize="1" noEditPoints="1" noAdjustHandles="1" noChangeArrowheads="1" noChangeShapeType="1" noTextEdit="1"/>
+          </p:cNvSpPr>
+          <p:nvPr>
+            <p:extLst>
+              <p:ext uri="{386F3935-93C4-4BCD-93E2-E3B085C9AB24}">
+                <p16:designElem xmlns:p16="http://schemas.microsoft.com/office/powerpoint/2015/main" val="1"/>
+              </p:ext>
+            </p:extLst>
+          </p:nvPr>
+        </p:nvSpPr>
+        <p:spPr>
+          <a:xfrm>
+            <a:off x="0" y="0"/>
+            <a:ext cx="3490722" cy="6858000"/>
+          </a:xfrm>
+          <a:prstGeom prst="rect">
+            <a:avLst/>
+          </a:prstGeom>
+          <a:solidFill>
+            <a:schemeClr val="tx1">
+              <a:lumMod val="75000"/>
+              <a:lumOff val="25000"/>
+            </a:schemeClr>
+          </a:solidFill>
+          <a:ln>
+            <a:noFill/>
+          </a:ln>
+        </p:spPr>
+        <p:style>
+          <a:lnRef idx="0">
+            <a:scrgbClr r="0" g="0" b="0"/>
+          </a:lnRef>
+          <a:fillRef idx="0">
+            <a:scrgbClr r="0" g="0" b="0"/>
+          </a:fillRef>
+          <a:effectRef idx="0">
+            <a:scrgbClr r="0" g="0" b="0"/>
+          </a:effectRef>
+          <a:fontRef idx="minor">
+            <a:schemeClr val="lt1"/>
+          </a:fontRef>
+        </p:style>
+        <p:txBody>
+          <a:bodyPr rtlCol="0" anchor="ctr"/>
+          <a:lstStyle/>
+          <a:p>
+            <a:pPr marL="0" marR="0" lvl="0" indent="0" algn="ctr" defTabSz="457200" rtl="0" eaLnBrk="1" fontAlgn="base" latinLnBrk="0" hangingPunct="1">
+              <a:lnSpc>
+                <a:spcPct val="100000"/>
+              </a:lnSpc>
+              <a:spcBef>
+                <a:spcPct val="0"/>
+              </a:spcBef>
+              <a:spcAft>
+                <a:spcPct val="0"/>
+              </a:spcAft>
+              <a:buClrTx/>
+              <a:buSzTx/>
+              <a:buFontTx/>
+              <a:buNone/>
+              <a:tabLst/>
+              <a:defRPr/>
+            </a:pPr>
+            <a:endParaRPr kumimoji="0" lang="en-US" sz="2400" b="0" i="0" u="none" strike="noStrike" kern="1200" cap="none" spc="0" normalizeH="0" baseline="0" noProof="0">
+              <a:ln>
+                <a:noFill/>
+              </a:ln>
+              <a:solidFill>
+                <a:prstClr val="white"/>
+              </a:solidFill>
+              <a:effectLst/>
+              <a:uLnTx/>
+              <a:uFillTx/>
+              <a:latin typeface="Calibri"/>
+              <a:ea typeface="+mn-ea"/>
+              <a:cs typeface="+mn-cs"/>
+            </a:endParaRPr>
+          </a:p>
+        </p:txBody>
+      </p:sp>
+      <p:sp>
+        <p:nvSpPr>
+          <p:cNvPr id="2" name="Title 1"/>
+          <p:cNvSpPr>
+            <a:spLocks noGrp="1"/>
+          </p:cNvSpPr>
+          <p:nvPr>
+            <p:ph type="title"/>
+          </p:nvPr>
+        </p:nvSpPr>
+        <p:spPr>
+          <a:xfrm>
+            <a:off x="482600" y="643467"/>
+            <a:ext cx="2522980" cy="1597315"/>
+          </a:xfrm>
+          <a:noFill/>
+          <a:ln w="19050">
+            <a:solidFill>
+              <a:schemeClr val="bg1"/>
+            </a:solidFill>
+          </a:ln>
+        </p:spPr>
+        <p:txBody>
+          <a:bodyPr vert="horz" wrap="square" lIns="91440" tIns="45720" rIns="91440" bIns="45720" rtlCol="0" anchor="ctr">
+            <a:normAutofit/>
+          </a:bodyPr>
+          <a:lstStyle/>
+          <a:p>
+            <a:pPr defTabSz="914400" eaLnBrk="1" hangingPunct="1">
+              <a:lnSpc>
+                <a:spcPct val="90000"/>
+              </a:lnSpc>
+            </a:pPr>
+            <a:r>
+              <a:rPr lang="en-US" sz="2400" dirty="0">
+                <a:solidFill>
+                  <a:schemeClr val="bg1"/>
+                </a:solidFill>
+              </a:rPr>
+              <a:t>Part 6: </a:t>
+            </a:r>
+            <a:br>
+              <a:rPr lang="en-US" sz="2400" dirty="0">
+                <a:solidFill>
+                  <a:schemeClr val="bg1"/>
+                </a:solidFill>
+              </a:rPr>
+            </a:br>
+            <a:r>
+              <a:rPr lang="en-US" sz="2400" dirty="0">
+                <a:solidFill>
+                  <a:schemeClr val="bg1"/>
+                </a:solidFill>
+              </a:rPr>
+              <a:t>Evaluation by </a:t>
+            </a:r>
+            <a:br>
+              <a:rPr lang="en-US" sz="2400" dirty="0">
+                <a:solidFill>
+                  <a:schemeClr val="bg1"/>
+                </a:solidFill>
+              </a:rPr>
+            </a:br>
+            <a:r>
+              <a:rPr lang="en-US" sz="2400" dirty="0">
+                <a:solidFill>
+                  <a:schemeClr val="bg1"/>
+                </a:solidFill>
+              </a:rPr>
+              <a:t>Numerical Summary</a:t>
+            </a:r>
+            <a:endParaRPr lang="en-US" sz="2400" kern="1200" dirty="0">
+              <a:solidFill>
+                <a:schemeClr val="bg1"/>
+              </a:solidFill>
+              <a:latin typeface="+mj-lt"/>
+              <a:ea typeface="+mj-ea"/>
+              <a:cs typeface="+mj-cs"/>
+            </a:endParaRPr>
+          </a:p>
+        </p:txBody>
+      </p:sp>
+      <p:pic>
+        <p:nvPicPr>
+          <p:cNvPr id="8" name="Picture 7">
+            <a:extLst>
+              <a:ext uri="{FF2B5EF4-FFF2-40B4-BE49-F238E27FC236}">
+                <a16:creationId xmlns:a16="http://schemas.microsoft.com/office/drawing/2014/main" id="{521D4292-9ECC-4DA5-8CC0-C561A0DA118E}"/>
+              </a:ext>
+            </a:extLst>
+          </p:cNvPr>
+          <p:cNvPicPr>
+            <a:picLocks noChangeAspect="1"/>
+          </p:cNvPicPr>
+          <p:nvPr/>
+        </p:nvPicPr>
+        <p:blipFill rotWithShape="1">
+          <a:blip r:embed="rId3"/>
+          <a:srcRect l="8000" r="9400"/>
+          <a:stretch/>
+        </p:blipFill>
+        <p:spPr>
+          <a:xfrm>
+            <a:off x="660103" y="3048000"/>
+            <a:ext cx="2167974" cy="2624666"/>
+          </a:xfrm>
+          <a:prstGeom prst="rect">
+            <a:avLst/>
+          </a:prstGeom>
+          <a:noFill/>
+        </p:spPr>
+      </p:pic>
+      <p:sp>
+        <p:nvSpPr>
+          <p:cNvPr id="7" name="TextBox 6">
+            <a:extLst>
+              <a:ext uri="{FF2B5EF4-FFF2-40B4-BE49-F238E27FC236}">
+                <a16:creationId xmlns:a16="http://schemas.microsoft.com/office/drawing/2014/main" id="{DF060353-BDFF-427E-8ABE-861948AE3B71}"/>
+              </a:ext>
+            </a:extLst>
+          </p:cNvPr>
+          <p:cNvSpPr txBox="1"/>
+          <p:nvPr/>
+        </p:nvSpPr>
+        <p:spPr>
+          <a:xfrm>
+            <a:off x="3810000" y="506762"/>
+            <a:ext cx="5334000" cy="5262979"/>
+          </a:xfrm>
+          <a:prstGeom prst="rect">
+            <a:avLst/>
+          </a:prstGeom>
+          <a:noFill/>
+        </p:spPr>
+        <p:txBody>
+          <a:bodyPr wrap="square" rtlCol="0">
+            <a:spAutoFit/>
+          </a:bodyPr>
+          <a:lstStyle/>
+          <a:p>
+            <a:pPr marL="342900" indent="-342900">
+              <a:buFont typeface="Arial" panose="020B0604020202020204" pitchFamily="34" charset="0"/>
+              <a:buChar char="•"/>
+              <a:defRPr/>
+            </a:pPr>
+            <a:r>
+              <a:rPr lang="en-US" dirty="0">
+                <a:solidFill>
+                  <a:srgbClr val="404040"/>
+                </a:solidFill>
+              </a:rPr>
+              <a:t>My Results Based on My Seed</a:t>
+            </a:r>
+          </a:p>
+          <a:p>
+            <a:pPr marL="342900" indent="-342900">
+              <a:buFont typeface="Arial" panose="020B0604020202020204" pitchFamily="34" charset="0"/>
+              <a:buChar char="•"/>
+              <a:defRPr/>
+            </a:pPr>
+            <a:endParaRPr lang="en-US" dirty="0">
+              <a:solidFill>
+                <a:srgbClr val="404040"/>
+              </a:solidFill>
+            </a:endParaRPr>
+          </a:p>
+          <a:p>
+            <a:pPr marL="342900" indent="-342900">
+              <a:buFont typeface="Arial" panose="020B0604020202020204" pitchFamily="34" charset="0"/>
+              <a:buChar char="•"/>
+              <a:defRPr/>
+            </a:pPr>
+            <a:endParaRPr lang="en-US" dirty="0">
+              <a:solidFill>
+                <a:srgbClr val="404040"/>
+              </a:solidFill>
+            </a:endParaRPr>
+          </a:p>
+          <a:p>
+            <a:pPr marL="342900" indent="-342900">
+              <a:buFont typeface="Arial" panose="020B0604020202020204" pitchFamily="34" charset="0"/>
+              <a:buChar char="•"/>
+              <a:defRPr/>
+            </a:pPr>
+            <a:endParaRPr lang="en-US" dirty="0">
+              <a:solidFill>
+                <a:srgbClr val="404040"/>
+              </a:solidFill>
+            </a:endParaRPr>
+          </a:p>
+          <a:p>
+            <a:pPr marL="342900" indent="-342900">
+              <a:buFont typeface="Arial" panose="020B0604020202020204" pitchFamily="34" charset="0"/>
+              <a:buChar char="•"/>
+              <a:defRPr/>
+            </a:pPr>
+            <a:endParaRPr lang="en-US" dirty="0">
+              <a:solidFill>
+                <a:srgbClr val="404040"/>
+              </a:solidFill>
+            </a:endParaRPr>
+          </a:p>
+          <a:p>
+            <a:pPr marL="342900" indent="-342900">
+              <a:buFont typeface="Arial" panose="020B0604020202020204" pitchFamily="34" charset="0"/>
+              <a:buChar char="•"/>
+              <a:defRPr/>
+            </a:pPr>
+            <a:endParaRPr lang="en-US" dirty="0">
+              <a:solidFill>
+                <a:srgbClr val="404040"/>
+              </a:solidFill>
+            </a:endParaRPr>
+          </a:p>
+          <a:p>
+            <a:pPr marL="342900" indent="-342900">
+              <a:buFont typeface="Arial" panose="020B0604020202020204" pitchFamily="34" charset="0"/>
+              <a:buChar char="•"/>
+              <a:defRPr/>
+            </a:pPr>
+            <a:endParaRPr lang="en-US" dirty="0">
+              <a:solidFill>
+                <a:srgbClr val="404040"/>
+              </a:solidFill>
+            </a:endParaRPr>
+          </a:p>
+          <a:p>
+            <a:pPr marL="342900" indent="-342900">
+              <a:buFont typeface="Arial" panose="020B0604020202020204" pitchFamily="34" charset="0"/>
+              <a:buChar char="•"/>
+              <a:defRPr/>
+            </a:pPr>
+            <a:endParaRPr lang="en-US" dirty="0">
+              <a:solidFill>
+                <a:srgbClr val="404040"/>
+              </a:solidFill>
+            </a:endParaRPr>
+          </a:p>
+          <a:p>
+            <a:pPr marL="342900" indent="-342900">
+              <a:buFont typeface="Arial" panose="020B0604020202020204" pitchFamily="34" charset="0"/>
+              <a:buChar char="•"/>
+              <a:defRPr/>
+            </a:pPr>
+            <a:endParaRPr lang="en-US" dirty="0">
+              <a:solidFill>
+                <a:srgbClr val="404040"/>
+              </a:solidFill>
+            </a:endParaRPr>
+          </a:p>
+          <a:p>
+            <a:pPr marL="800100" lvl="1" indent="-342900">
+              <a:buFont typeface="Arial" panose="020B0604020202020204" pitchFamily="34" charset="0"/>
+              <a:buChar char="•"/>
+              <a:defRPr/>
+            </a:pPr>
+            <a:r>
+              <a:rPr lang="en-US" dirty="0">
+                <a:solidFill>
+                  <a:srgbClr val="404040"/>
+                </a:solidFill>
+              </a:rPr>
+              <a:t>When Results Are This Close, Always Consider the Most Simple Model</a:t>
+            </a:r>
+          </a:p>
+          <a:p>
+            <a:pPr marL="342900" indent="-342900">
+              <a:buFont typeface="Arial" panose="020B0604020202020204" pitchFamily="34" charset="0"/>
+              <a:buChar char="•"/>
+              <a:defRPr/>
+            </a:pPr>
+            <a:endParaRPr lang="en-US" dirty="0">
+              <a:solidFill>
+                <a:srgbClr val="404040"/>
+              </a:solidFill>
+            </a:endParaRPr>
+          </a:p>
+          <a:p>
+            <a:pPr marL="800100" lvl="1" indent="-342900">
+              <a:buFont typeface="Arial" panose="020B0604020202020204" pitchFamily="34" charset="0"/>
+              <a:buChar char="•"/>
+              <a:defRPr/>
+            </a:pPr>
+            <a:endParaRPr lang="en-US" dirty="0">
+              <a:solidFill>
+                <a:srgbClr val="404040"/>
+              </a:solidFill>
+            </a:endParaRPr>
+          </a:p>
+        </p:txBody>
+      </p:sp>
+      <p:pic>
+        <p:nvPicPr>
+          <p:cNvPr id="3" name="Picture 2">
+            <a:extLst>
+              <a:ext uri="{FF2B5EF4-FFF2-40B4-BE49-F238E27FC236}">
+                <a16:creationId xmlns:a16="http://schemas.microsoft.com/office/drawing/2014/main" id="{F39BF807-DEA8-4DEE-86F2-9431AE876B87}"/>
+              </a:ext>
+            </a:extLst>
+          </p:cNvPr>
+          <p:cNvPicPr>
+            <a:picLocks noChangeAspect="1"/>
+          </p:cNvPicPr>
+          <p:nvPr/>
+        </p:nvPicPr>
+        <p:blipFill>
+          <a:blip r:embed="rId4"/>
+          <a:stretch>
+            <a:fillRect/>
+          </a:stretch>
+        </p:blipFill>
+        <p:spPr>
+          <a:xfrm>
+            <a:off x="3627583" y="1066800"/>
+            <a:ext cx="5350661" cy="2558376"/>
+          </a:xfrm>
+          <a:prstGeom prst="rect">
+            <a:avLst/>
+          </a:prstGeom>
+          <a:ln>
+            <a:solidFill>
+              <a:srgbClr val="404040"/>
+            </a:solidFill>
+          </a:ln>
+        </p:spPr>
+        <p:style>
+          <a:lnRef idx="2">
+            <a:schemeClr val="dk1"/>
+          </a:lnRef>
+          <a:fillRef idx="1">
+            <a:schemeClr val="lt1"/>
+          </a:fillRef>
+          <a:effectRef idx="0">
+            <a:schemeClr val="dk1"/>
+          </a:effectRef>
+          <a:fontRef idx="minor">
+            <a:schemeClr val="dk1"/>
+          </a:fontRef>
+        </p:style>
+      </p:pic>
+      <p:sp>
+        <p:nvSpPr>
+          <p:cNvPr id="4" name="Rectangle 3">
+            <a:extLst>
+              <a:ext uri="{FF2B5EF4-FFF2-40B4-BE49-F238E27FC236}">
+                <a16:creationId xmlns:a16="http://schemas.microsoft.com/office/drawing/2014/main" id="{7BAEB75F-E3DE-4A62-BABC-014070B06E27}"/>
+              </a:ext>
+            </a:extLst>
+          </p:cNvPr>
+          <p:cNvSpPr/>
+          <p:nvPr/>
+        </p:nvSpPr>
+        <p:spPr>
+          <a:xfrm>
+            <a:off x="5445662" y="1752600"/>
+            <a:ext cx="1183737" cy="381000"/>
+          </a:xfrm>
+          <a:prstGeom prst="rect">
+            <a:avLst/>
+          </a:prstGeom>
+          <a:noFill/>
+        </p:spPr>
+        <p:style>
+          <a:lnRef idx="2">
+            <a:schemeClr val="dk1"/>
+          </a:lnRef>
+          <a:fillRef idx="1">
+            <a:schemeClr val="lt1"/>
+          </a:fillRef>
+          <a:effectRef idx="0">
+            <a:schemeClr val="dk1"/>
+          </a:effectRef>
+          <a:fontRef idx="minor">
+            <a:schemeClr val="dk1"/>
+          </a:fontRef>
+        </p:style>
+        <p:txBody>
+          <a:bodyPr rtlCol="0" anchor="ctr"/>
+          <a:lstStyle/>
+          <a:p>
+            <a:pPr algn="ctr"/>
+            <a:endParaRPr lang="en-US"/>
+          </a:p>
+        </p:txBody>
+      </p:sp>
+      <p:sp>
+        <p:nvSpPr>
+          <p:cNvPr id="9" name="Rectangle 8">
+            <a:extLst>
+              <a:ext uri="{FF2B5EF4-FFF2-40B4-BE49-F238E27FC236}">
+                <a16:creationId xmlns:a16="http://schemas.microsoft.com/office/drawing/2014/main" id="{AF0D71AC-A32C-423D-909E-32DA28E079C7}"/>
+              </a:ext>
+            </a:extLst>
+          </p:cNvPr>
+          <p:cNvSpPr/>
+          <p:nvPr/>
+        </p:nvSpPr>
+        <p:spPr>
+          <a:xfrm>
+            <a:off x="6934200" y="2857500"/>
+            <a:ext cx="838200" cy="381000"/>
+          </a:xfrm>
+          <a:prstGeom prst="rect">
+            <a:avLst/>
+          </a:prstGeom>
+          <a:noFill/>
+        </p:spPr>
+        <p:style>
+          <a:lnRef idx="2">
+            <a:schemeClr val="dk1"/>
+          </a:lnRef>
+          <a:fillRef idx="1">
+            <a:schemeClr val="lt1"/>
+          </a:fillRef>
+          <a:effectRef idx="0">
+            <a:schemeClr val="dk1"/>
+          </a:effectRef>
+          <a:fontRef idx="minor">
+            <a:schemeClr val="dk1"/>
+          </a:fontRef>
+        </p:style>
+        <p:txBody>
+          <a:bodyPr rtlCol="0" anchor="ctr"/>
+          <a:lstStyle/>
+          <a:p>
+            <a:pPr algn="ctr"/>
+            <a:endParaRPr lang="en-US"/>
+          </a:p>
+        </p:txBody>
+      </p:sp>
+      <p:sp>
+        <p:nvSpPr>
+          <p:cNvPr id="10" name="Rectangle 9">
+            <a:extLst>
+              <a:ext uri="{FF2B5EF4-FFF2-40B4-BE49-F238E27FC236}">
+                <a16:creationId xmlns:a16="http://schemas.microsoft.com/office/drawing/2014/main" id="{216DDC81-DB23-4921-9086-0D210937DC06}"/>
+              </a:ext>
+            </a:extLst>
+          </p:cNvPr>
+          <p:cNvSpPr/>
+          <p:nvPr/>
+        </p:nvSpPr>
+        <p:spPr>
+          <a:xfrm>
+            <a:off x="8077200" y="2514600"/>
+            <a:ext cx="838200" cy="342900"/>
+          </a:xfrm>
+          <a:prstGeom prst="rect">
+            <a:avLst/>
+          </a:prstGeom>
+          <a:noFill/>
+        </p:spPr>
+        <p:style>
+          <a:lnRef idx="2">
+            <a:schemeClr val="dk1"/>
+          </a:lnRef>
+          <a:fillRef idx="1">
+            <a:schemeClr val="lt1"/>
+          </a:fillRef>
+          <a:effectRef idx="0">
+            <a:schemeClr val="dk1"/>
+          </a:effectRef>
+          <a:fontRef idx="minor">
+            <a:schemeClr val="dk1"/>
+          </a:fontRef>
+        </p:style>
+        <p:txBody>
+          <a:bodyPr rtlCol="0" anchor="ctr"/>
+          <a:lstStyle/>
+          <a:p>
+            <a:pPr algn="ctr"/>
+            <a:endParaRPr lang="en-US"/>
+          </a:p>
+        </p:txBody>
+      </p:sp>
+    </p:spTree>
+    <p:custDataLst>
+      <p:tags r:id="rId1"/>
+    </p:custDataLst>
+    <p:extLst>
+      <p:ext uri="{BB962C8B-B14F-4D97-AF65-F5344CB8AC3E}">
+        <p14:creationId xmlns:p14="http://schemas.microsoft.com/office/powerpoint/2010/main" val="3269562200"/>
+      </p:ext>
+    </p:extLst>
+  </p:cSld>
+  <p:clrMapOvr>
+    <a:masterClrMapping/>
+  </p:clrMapOvr>
+</p:sld>
+</file>
+
+<file path=ppt/slides/slide18.xml><?xml version="1.0" encoding="utf-8"?>
+<p:sld xmlns:a="http://schemas.openxmlformats.org/drawingml/2006/main" xmlns:r="http://schemas.openxmlformats.org/officeDocument/2006/relationships" xmlns:p="http://schemas.openxmlformats.org/presentationml/2006/main">
+  <p:cSld>
+    <p:bg>
+      <p:bgPr>
+        <a:solidFill>
+          <a:schemeClr val="bg1">
+            <a:lumMod val="85000"/>
+          </a:schemeClr>
+        </a:solidFill>
+        <a:effectLst/>
+      </p:bgPr>
+    </p:bg>
+    <p:spTree>
+      <p:nvGrpSpPr>
+        <p:cNvPr id="1" name=""/>
+        <p:cNvGrpSpPr/>
+        <p:nvPr/>
+      </p:nvGrpSpPr>
+      <p:grpSpPr>
+        <a:xfrm>
+          <a:off x="0" y="0"/>
+          <a:ext cx="0" cy="0"/>
+          <a:chOff x="0" y="0"/>
+          <a:chExt cx="0" cy="0"/>
+        </a:xfrm>
+      </p:grpSpPr>
+      <p:sp>
+        <p:nvSpPr>
+          <p:cNvPr id="15" name="Rectangle 12">
+            <a:extLst>
+              <a:ext uri="{FF2B5EF4-FFF2-40B4-BE49-F238E27FC236}">
+                <a16:creationId xmlns:a16="http://schemas.microsoft.com/office/drawing/2014/main" id="{867D4867-5BA7-4462-B2F6-A23F4A622AA7}"/>
+              </a:ext>
+              <a:ext uri="{C183D7F6-B498-43B3-948B-1728B52AA6E4}">
+                <adec:decorative xmlns:adec="http://schemas.microsoft.com/office/drawing/2017/decorative" val="1"/>
+              </a:ext>
+            </a:extLst>
+          </p:cNvPr>
+          <p:cNvSpPr>
+            <a:spLocks noGrp="1" noRot="1" noChangeAspect="1" noMove="1" noResize="1" noEditPoints="1" noAdjustHandles="1" noChangeArrowheads="1" noChangeShapeType="1" noTextEdit="1"/>
+          </p:cNvSpPr>
+          <p:nvPr>
+            <p:extLst>
+              <p:ext uri="{386F3935-93C4-4BCD-93E2-E3B085C9AB24}">
+                <p16:designElem xmlns:p16="http://schemas.microsoft.com/office/powerpoint/2015/main" val="1"/>
+              </p:ext>
+            </p:extLst>
+          </p:nvPr>
+        </p:nvSpPr>
+        <p:spPr>
+          <a:xfrm>
+            <a:off x="0" y="0"/>
+            <a:ext cx="3490722" cy="6858000"/>
+          </a:xfrm>
+          <a:prstGeom prst="rect">
+            <a:avLst/>
+          </a:prstGeom>
+          <a:solidFill>
+            <a:schemeClr val="tx1">
+              <a:lumMod val="75000"/>
+              <a:lumOff val="25000"/>
+            </a:schemeClr>
+          </a:solidFill>
+          <a:ln>
+            <a:noFill/>
+          </a:ln>
+        </p:spPr>
+        <p:style>
+          <a:lnRef idx="0">
+            <a:scrgbClr r="0" g="0" b="0"/>
+          </a:lnRef>
+          <a:fillRef idx="0">
+            <a:scrgbClr r="0" g="0" b="0"/>
+          </a:fillRef>
+          <a:effectRef idx="0">
+            <a:scrgbClr r="0" g="0" b="0"/>
+          </a:effectRef>
+          <a:fontRef idx="minor">
+            <a:schemeClr val="lt1"/>
+          </a:fontRef>
+        </p:style>
+        <p:txBody>
+          <a:bodyPr rtlCol="0" anchor="ctr"/>
+          <a:lstStyle/>
+          <a:p>
+            <a:pPr marL="0" marR="0" lvl="0" indent="0" algn="ctr" defTabSz="457200" rtl="0" eaLnBrk="1" fontAlgn="base" latinLnBrk="0" hangingPunct="1">
+              <a:lnSpc>
+                <a:spcPct val="100000"/>
+              </a:lnSpc>
+              <a:spcBef>
+                <a:spcPct val="0"/>
+              </a:spcBef>
+              <a:spcAft>
+                <a:spcPct val="0"/>
+              </a:spcAft>
+              <a:buClrTx/>
+              <a:buSzTx/>
+              <a:buFontTx/>
+              <a:buNone/>
+              <a:tabLst/>
+              <a:defRPr/>
+            </a:pPr>
+            <a:endParaRPr kumimoji="0" lang="en-US" sz="2400" b="0" i="0" u="none" strike="noStrike" kern="1200" cap="none" spc="0" normalizeH="0" baseline="0" noProof="0">
+              <a:ln>
+                <a:noFill/>
+              </a:ln>
+              <a:solidFill>
+                <a:prstClr val="white"/>
+              </a:solidFill>
+              <a:effectLst/>
+              <a:uLnTx/>
+              <a:uFillTx/>
+              <a:latin typeface="Calibri"/>
+              <a:ea typeface="+mn-ea"/>
+              <a:cs typeface="+mn-cs"/>
+            </a:endParaRPr>
+          </a:p>
+        </p:txBody>
+      </p:sp>
+      <p:sp>
+        <p:nvSpPr>
+          <p:cNvPr id="2" name="Title 1"/>
+          <p:cNvSpPr>
+            <a:spLocks noGrp="1"/>
+          </p:cNvSpPr>
+          <p:nvPr>
+            <p:ph type="title"/>
+          </p:nvPr>
+        </p:nvSpPr>
+        <p:spPr>
+          <a:xfrm>
+            <a:off x="482600" y="643467"/>
+            <a:ext cx="2522980" cy="1597315"/>
+          </a:xfrm>
+          <a:noFill/>
+          <a:ln w="19050">
+            <a:solidFill>
+              <a:schemeClr val="bg1"/>
+            </a:solidFill>
+          </a:ln>
+        </p:spPr>
+        <p:txBody>
+          <a:bodyPr vert="horz" wrap="square" lIns="91440" tIns="45720" rIns="91440" bIns="45720" rtlCol="0" anchor="ctr">
+            <a:normAutofit/>
+          </a:bodyPr>
+          <a:lstStyle/>
+          <a:p>
+            <a:pPr defTabSz="914400" eaLnBrk="1" hangingPunct="1">
+              <a:lnSpc>
+                <a:spcPct val="90000"/>
+              </a:lnSpc>
+            </a:pPr>
+            <a:r>
+              <a:rPr lang="en-US" sz="2400" dirty="0">
+                <a:solidFill>
+                  <a:schemeClr val="bg1"/>
+                </a:solidFill>
+              </a:rPr>
+              <a:t>Discussion</a:t>
+            </a:r>
+            <a:endParaRPr lang="en-US" sz="2400" kern="1200" dirty="0">
+              <a:solidFill>
+                <a:schemeClr val="bg1"/>
+              </a:solidFill>
+              <a:latin typeface="+mj-lt"/>
+              <a:ea typeface="+mj-ea"/>
+              <a:cs typeface="+mj-cs"/>
+            </a:endParaRPr>
+          </a:p>
+        </p:txBody>
+      </p:sp>
+      <p:pic>
+        <p:nvPicPr>
+          <p:cNvPr id="8" name="Picture 7">
+            <a:extLst>
+              <a:ext uri="{FF2B5EF4-FFF2-40B4-BE49-F238E27FC236}">
+                <a16:creationId xmlns:a16="http://schemas.microsoft.com/office/drawing/2014/main" id="{521D4292-9ECC-4DA5-8CC0-C561A0DA118E}"/>
+              </a:ext>
+            </a:extLst>
+          </p:cNvPr>
+          <p:cNvPicPr>
+            <a:picLocks noChangeAspect="1"/>
+          </p:cNvPicPr>
+          <p:nvPr/>
+        </p:nvPicPr>
+        <p:blipFill rotWithShape="1">
+          <a:blip r:embed="rId3"/>
+          <a:srcRect l="8000" r="9400"/>
+          <a:stretch/>
+        </p:blipFill>
+        <p:spPr>
+          <a:xfrm>
+            <a:off x="660103" y="3048000"/>
+            <a:ext cx="2167974" cy="2624666"/>
+          </a:xfrm>
+          <a:prstGeom prst="rect">
+            <a:avLst/>
+          </a:prstGeom>
+          <a:noFill/>
+        </p:spPr>
+      </p:pic>
       <p:sp>
         <p:nvSpPr>
           <p:cNvPr id="7" name="TextBox 6">
@@ -10438,7 +13218,7 @@
 </p:sld>
 </file>
 
-<file path=ppt/slides/slide15.xml><?xml version="1.0" encoding="utf-8"?>
+<file path=ppt/slides/slide19.xml><?xml version="1.0" encoding="utf-8"?>
 <p:sld xmlns:a="http://schemas.openxmlformats.org/drawingml/2006/main" xmlns:r="http://schemas.openxmlformats.org/officeDocument/2006/relationships" xmlns:p="http://schemas.openxmlformats.org/presentationml/2006/main">
   <p:cSld>
     <p:bg>
@@ -11331,7 +14111,7 @@
         <p:spPr>
           <a:xfrm>
             <a:off x="3810000" y="643467"/>
-            <a:ext cx="5334000" cy="4893647"/>
+            <a:ext cx="5334000" cy="5632311"/>
           </a:xfrm>
           <a:prstGeom prst="rect">
             <a:avLst/>
@@ -11430,6 +14210,33 @@
           </a:p>
           <a:p>
             <a:pPr lvl="2">
+              <a:defRPr/>
+            </a:pPr>
+            <a:endParaRPr lang="en-US" dirty="0">
+              <a:solidFill>
+                <a:srgbClr val="404040"/>
+              </a:solidFill>
+            </a:endParaRPr>
+          </a:p>
+          <a:p>
+            <a:pPr marL="1257300" lvl="2" indent="-342900">
+              <a:buFont typeface="Arial" panose="020B0604020202020204" pitchFamily="34" charset="0"/>
+              <a:buChar char="•"/>
+              <a:defRPr/>
+            </a:pPr>
+            <a:r>
+              <a:rPr lang="en-US" dirty="0">
+                <a:solidFill>
+                  <a:srgbClr val="404040"/>
+                </a:solidFill>
+              </a:rPr>
+              <a:t> </a:t>
+            </a:r>
+          </a:p>
+          <a:p>
+            <a:pPr marL="1257300" lvl="2" indent="-342900">
+              <a:buFont typeface="Arial" panose="020B0604020202020204" pitchFamily="34" charset="0"/>
+              <a:buChar char="•"/>
               <a:defRPr/>
             </a:pPr>
             <a:endParaRPr lang="en-US" dirty="0">
@@ -11615,6 +14422,63 @@
                 </a:solidFill>
               </a:rPr>
               <a:t>modelr</a:t>
+            </a:r>
+            <a:r>
+              <a:rPr lang="en-US" sz="1800" dirty="0">
+                <a:solidFill>
+                  <a:schemeClr val="bg1"/>
+                </a:solidFill>
+              </a:rPr>
+              <a:t>)</a:t>
+            </a:r>
+          </a:p>
+        </p:txBody>
+      </p:sp>
+      <p:sp>
+        <p:nvSpPr>
+          <p:cNvPr id="10" name="TextBox 9">
+            <a:extLst>
+              <a:ext uri="{FF2B5EF4-FFF2-40B4-BE49-F238E27FC236}">
+                <a16:creationId xmlns:a16="http://schemas.microsoft.com/office/drawing/2014/main" id="{3CF73EA1-D416-41FA-9CB2-03023BB51D5E}"/>
+              </a:ext>
+            </a:extLst>
+          </p:cNvPr>
+          <p:cNvSpPr txBox="1"/>
+          <p:nvPr/>
+        </p:nvSpPr>
+        <p:spPr>
+          <a:xfrm>
+            <a:off x="5029200" y="3921856"/>
+            <a:ext cx="1924050" cy="369332"/>
+          </a:xfrm>
+          <a:prstGeom prst="rect">
+            <a:avLst/>
+          </a:prstGeom>
+          <a:solidFill>
+            <a:srgbClr val="404040"/>
+          </a:solidFill>
+        </p:spPr>
+        <p:txBody>
+          <a:bodyPr wrap="square" rtlCol="0">
+            <a:spAutoFit/>
+          </a:bodyPr>
+          <a:lstStyle/>
+          <a:p>
+            <a:r>
+              <a:rPr lang="en-US" sz="1800" dirty="0">
+                <a:solidFill>
+                  <a:schemeClr val="bg1"/>
+                </a:solidFill>
+              </a:rPr>
+              <a:t>library(</a:t>
+            </a:r>
+            <a:r>
+              <a:rPr lang="en-US" sz="1800" dirty="0" err="1">
+                <a:solidFill>
+                  <a:schemeClr val="bg1"/>
+                </a:solidFill>
+              </a:rPr>
+              <a:t>xtable</a:t>
             </a:r>
             <a:r>
               <a:rPr lang="en-US" sz="1800" dirty="0">
@@ -14308,22 +17172,7 @@
                   <a:schemeClr val="bg1"/>
                 </a:solidFill>
               </a:rPr>
-              <a:t>Evaluation </a:t>
-            </a:r>
-            <a:br>
-              <a:rPr lang="en-US" sz="2400" dirty="0">
-                <a:solidFill>
-                  <a:schemeClr val="bg1"/>
-                </a:solidFill>
-              </a:rPr>
-            </a:br>
-            <a:r>
-              <a:rPr lang="en-US" sz="2400" dirty="0">
-                <a:solidFill>
-                  <a:schemeClr val="bg1"/>
-                </a:solidFill>
-              </a:rPr>
-              <a:t>by </a:t>
+              <a:t>Evaluation by </a:t>
             </a:r>
             <a:br>
               <a:rPr lang="en-US" sz="2400" dirty="0">
@@ -14841,22 +17690,7 @@
                   <a:schemeClr val="bg1"/>
                 </a:solidFill>
               </a:rPr>
-              <a:t>Evaluation </a:t>
-            </a:r>
-            <a:br>
-              <a:rPr lang="en-US" sz="2400" dirty="0">
-                <a:solidFill>
-                  <a:schemeClr val="bg1"/>
-                </a:solidFill>
-              </a:rPr>
-            </a:br>
-            <a:r>
-              <a:rPr lang="en-US" sz="2400" dirty="0">
-                <a:solidFill>
-                  <a:schemeClr val="bg1"/>
-                </a:solidFill>
-              </a:rPr>
-              <a:t>by </a:t>
+              <a:t>Evaluation by </a:t>
             </a:r>
             <a:br>
               <a:rPr lang="en-US" sz="2400" dirty="0">
@@ -15231,7 +18065,31 @@
 </p:tagLst>
 </file>
 
+<file path=ppt/tags/tag17.xml><?xml version="1.0" encoding="utf-8"?>
+<p:tagLst xmlns:a="http://schemas.openxmlformats.org/drawingml/2006/main" xmlns:r="http://schemas.openxmlformats.org/officeDocument/2006/relationships" xmlns:p="http://schemas.openxmlformats.org/presentationml/2006/main">
+  <p:tag name="DELIMITERS" val="3.1"/>
+</p:tagLst>
+</file>
+
+<file path=ppt/tags/tag18.xml><?xml version="1.0" encoding="utf-8"?>
+<p:tagLst xmlns:a="http://schemas.openxmlformats.org/drawingml/2006/main" xmlns:r="http://schemas.openxmlformats.org/officeDocument/2006/relationships" xmlns:p="http://schemas.openxmlformats.org/presentationml/2006/main">
+  <p:tag name="DELIMITERS" val="3.1"/>
+</p:tagLst>
+</file>
+
+<file path=ppt/tags/tag19.xml><?xml version="1.0" encoding="utf-8"?>
+<p:tagLst xmlns:a="http://schemas.openxmlformats.org/drawingml/2006/main" xmlns:r="http://schemas.openxmlformats.org/officeDocument/2006/relationships" xmlns:p="http://schemas.openxmlformats.org/presentationml/2006/main">
+  <p:tag name="DELIMITERS" val="3.1"/>
+</p:tagLst>
+</file>
+
 <file path=ppt/tags/tag2.xml><?xml version="1.0" encoding="utf-8"?>
+<p:tagLst xmlns:a="http://schemas.openxmlformats.org/drawingml/2006/main" xmlns:r="http://schemas.openxmlformats.org/officeDocument/2006/relationships" xmlns:p="http://schemas.openxmlformats.org/presentationml/2006/main">
+  <p:tag name="DELIMITERS" val="3.1"/>
+</p:tagLst>
+</file>
+
+<file path=ppt/tags/tag20.xml><?xml version="1.0" encoding="utf-8"?>
 <p:tagLst xmlns:a="http://schemas.openxmlformats.org/drawingml/2006/main" xmlns:r="http://schemas.openxmlformats.org/officeDocument/2006/relationships" xmlns:p="http://schemas.openxmlformats.org/presentationml/2006/main">
   <p:tag name="DELIMITERS" val="3.1"/>
 </p:tagLst>

--- a/Lecture/Lecture 24/Lecture 24.pptx
+++ b/Lecture/Lecture 24/Lecture 24.pptx
@@ -6,10 +6,10 @@
     <p:sldMasterId id="2147483676" r:id="rId2"/>
   </p:sldMasterIdLst>
   <p:notesMasterIdLst>
-    <p:notesMasterId r:id="rId22"/>
+    <p:notesMasterId r:id="rId21"/>
   </p:notesMasterIdLst>
   <p:handoutMasterIdLst>
-    <p:handoutMasterId r:id="rId23"/>
+    <p:handoutMasterId r:id="rId22"/>
   </p:handoutMasterIdLst>
   <p:sldIdLst>
     <p:sldId id="320" r:id="rId3"/>
@@ -29,13 +29,12 @@
     <p:sldId id="429" r:id="rId17"/>
     <p:sldId id="430" r:id="rId18"/>
     <p:sldId id="431" r:id="rId19"/>
-    <p:sldId id="427" r:id="rId20"/>
-    <p:sldId id="329" r:id="rId21"/>
+    <p:sldId id="329" r:id="rId20"/>
   </p:sldIdLst>
   <p:sldSz cx="9144000" cy="6858000" type="screen4x3"/>
   <p:notesSz cx="6858000" cy="9144000"/>
   <p:custDataLst>
-    <p:tags r:id="rId24"/>
+    <p:tags r:id="rId23"/>
   </p:custDataLst>
   <p:defaultTextStyle>
     <a:defPPr>
@@ -306,7 +305,7 @@
               <a:pPr>
                 <a:defRPr/>
               </a:pPr>
-              <a:t>10/30/2018</a:t>
+              <a:t>10/31/2018</a:t>
             </a:fld>
             <a:endParaRPr lang="en-US" dirty="0"/>
           </a:p>
@@ -518,7 +517,7 @@
               <a:pPr>
                 <a:defRPr/>
               </a:pPr>
-              <a:t>10/30/2018</a:t>
+              <a:t>10/31/2018</a:t>
             </a:fld>
             <a:endParaRPr lang="en-US" dirty="0"/>
           </a:p>
@@ -1037,7 +1036,7 @@
               <a:pPr>
                 <a:defRPr/>
               </a:pPr>
-              <a:t>10/30/2018</a:t>
+              <a:t>10/31/2018</a:t>
             </a:fld>
             <a:endParaRPr lang="en-US" dirty="0"/>
           </a:p>
@@ -1227,7 +1226,7 @@
               <a:pPr>
                 <a:defRPr/>
               </a:pPr>
-              <a:t>10/30/2018</a:t>
+              <a:t>10/31/2018</a:t>
             </a:fld>
             <a:endParaRPr lang="en-US" dirty="0"/>
           </a:p>
@@ -1427,7 +1426,7 @@
               <a:pPr>
                 <a:defRPr/>
               </a:pPr>
-              <a:t>10/30/2018</a:t>
+              <a:t>10/31/2018</a:t>
             </a:fld>
             <a:endParaRPr lang="en-US" dirty="0"/>
           </a:p>
@@ -1695,7 +1694,7 @@
               <a:pPr>
                 <a:defRPr/>
               </a:pPr>
-              <a:t>10/30/2018</a:t>
+              <a:t>10/31/2018</a:t>
             </a:fld>
             <a:endParaRPr lang="en-US" dirty="0">
               <a:solidFill>
@@ -1909,7 +1908,7 @@
               <a:pPr>
                 <a:defRPr/>
               </a:pPr>
-              <a:t>10/30/2018</a:t>
+              <a:t>10/31/2018</a:t>
             </a:fld>
             <a:endParaRPr lang="en-US" dirty="0">
               <a:solidFill>
@@ -2200,7 +2199,7 @@
               <a:pPr>
                 <a:defRPr/>
               </a:pPr>
-              <a:t>10/30/2018</a:t>
+              <a:t>10/31/2018</a:t>
             </a:fld>
             <a:endParaRPr lang="en-US" dirty="0">
               <a:solidFill>
@@ -2531,7 +2530,7 @@
               <a:pPr>
                 <a:defRPr/>
               </a:pPr>
-              <a:t>10/30/2018</a:t>
+              <a:t>10/31/2018</a:t>
             </a:fld>
             <a:endParaRPr lang="en-US" dirty="0">
               <a:solidFill>
@@ -2996,7 +2995,7 @@
               <a:pPr>
                 <a:defRPr/>
               </a:pPr>
-              <a:t>10/30/2018</a:t>
+              <a:t>10/31/2018</a:t>
             </a:fld>
             <a:endParaRPr lang="en-US" dirty="0">
               <a:solidFill>
@@ -3159,7 +3158,7 @@
               <a:pPr>
                 <a:defRPr/>
               </a:pPr>
-              <a:t>10/30/2018</a:t>
+              <a:t>10/31/2018</a:t>
             </a:fld>
             <a:endParaRPr lang="en-US" dirty="0">
               <a:solidFill>
@@ -3300,7 +3299,7 @@
               <a:pPr>
                 <a:defRPr/>
               </a:pPr>
-              <a:t>10/30/2018</a:t>
+              <a:t>10/31/2018</a:t>
             </a:fld>
             <a:endParaRPr lang="en-US" dirty="0">
               <a:solidFill>
@@ -3621,7 +3620,7 @@
               <a:pPr>
                 <a:defRPr/>
               </a:pPr>
-              <a:t>10/30/2018</a:t>
+              <a:t>10/31/2018</a:t>
             </a:fld>
             <a:endParaRPr lang="en-US" dirty="0">
               <a:solidFill>
@@ -3829,7 +3828,7 @@
               <a:pPr>
                 <a:defRPr/>
               </a:pPr>
-              <a:t>10/30/2018</a:t>
+              <a:t>10/31/2018</a:t>
             </a:fld>
             <a:endParaRPr lang="en-US" dirty="0"/>
           </a:p>
@@ -4112,7 +4111,7 @@
               <a:pPr>
                 <a:defRPr/>
               </a:pPr>
-              <a:t>10/30/2018</a:t>
+              <a:t>10/31/2018</a:t>
             </a:fld>
             <a:endParaRPr lang="en-US" dirty="0">
               <a:solidFill>
@@ -4326,7 +4325,7 @@
               <a:pPr>
                 <a:defRPr/>
               </a:pPr>
-              <a:t>10/30/2018</a:t>
+              <a:t>10/31/2018</a:t>
             </a:fld>
             <a:endParaRPr lang="en-US" dirty="0">
               <a:solidFill>
@@ -4550,7 +4549,7 @@
               <a:pPr>
                 <a:defRPr/>
               </a:pPr>
-              <a:t>10/30/2018</a:t>
+              <a:t>10/31/2018</a:t>
             </a:fld>
             <a:endParaRPr lang="en-US" dirty="0">
               <a:solidFill>
@@ -4760,7 +4759,7 @@
               <a:pPr>
                 <a:defRPr/>
               </a:pPr>
-              <a:t>10/30/2018</a:t>
+              <a:t>10/31/2018</a:t>
             </a:fld>
             <a:endParaRPr lang="en-US" dirty="0">
               <a:solidFill>
@@ -5037,7 +5036,7 @@
               <a:pPr>
                 <a:defRPr/>
               </a:pPr>
-              <a:t>10/30/2018</a:t>
+              <a:t>10/31/2018</a:t>
             </a:fld>
             <a:endParaRPr lang="en-US" dirty="0"/>
           </a:p>
@@ -5344,7 +5343,7 @@
               <a:pPr>
                 <a:defRPr/>
               </a:pPr>
-              <a:t>10/30/2018</a:t>
+              <a:t>10/31/2018</a:t>
             </a:fld>
             <a:endParaRPr lang="en-US" dirty="0"/>
           </a:p>
@@ -5785,7 +5784,7 @@
               <a:pPr>
                 <a:defRPr/>
               </a:pPr>
-              <a:t>10/30/2018</a:t>
+              <a:t>10/31/2018</a:t>
             </a:fld>
             <a:endParaRPr lang="en-US" dirty="0"/>
           </a:p>
@@ -5924,7 +5923,7 @@
               <a:pPr>
                 <a:defRPr/>
               </a:pPr>
-              <a:t>10/30/2018</a:t>
+              <a:t>10/31/2018</a:t>
             </a:fld>
             <a:endParaRPr lang="en-US" dirty="0"/>
           </a:p>
@@ -6041,7 +6040,7 @@
               <a:pPr>
                 <a:defRPr/>
               </a:pPr>
-              <a:t>10/30/2018</a:t>
+              <a:t>10/31/2018</a:t>
             </a:fld>
             <a:endParaRPr lang="en-US" dirty="0"/>
           </a:p>
@@ -6338,7 +6337,7 @@
               <a:pPr>
                 <a:defRPr/>
               </a:pPr>
-              <a:t>10/30/2018</a:t>
+              <a:t>10/31/2018</a:t>
             </a:fld>
             <a:endParaRPr lang="en-US" dirty="0"/>
           </a:p>
@@ -6615,7 +6614,7 @@
               <a:pPr>
                 <a:defRPr/>
               </a:pPr>
-              <a:t>10/30/2018</a:t>
+              <a:t>10/31/2018</a:t>
             </a:fld>
             <a:endParaRPr lang="en-US" dirty="0"/>
           </a:p>
@@ -6872,7 +6871,7 @@
               <a:pPr>
                 <a:defRPr/>
               </a:pPr>
-              <a:t>10/30/2018</a:t>
+              <a:t>10/31/2018</a:t>
             </a:fld>
             <a:endParaRPr lang="en-US" dirty="0"/>
           </a:p>
@@ -7582,7 +7581,7 @@
               <a:pPr>
                 <a:defRPr/>
               </a:pPr>
-              <a:t>10/30/2018</a:t>
+              <a:t>10/31/2018</a:t>
             </a:fld>
             <a:endParaRPr lang="en-US" dirty="0">
               <a:solidFill>
@@ -10232,8 +10231,8 @@
           <a:noFill/>
         </p:spPr>
       </p:pic>
-      <mc:AlternateContent xmlns:mc="http://schemas.openxmlformats.org/markup-compatibility/2006">
-        <mc:Choice xmlns:a14="http://schemas.microsoft.com/office/drawing/2010/main" Requires="a14">
+      <mc:AlternateContent xmlns:mc="http://schemas.openxmlformats.org/markup-compatibility/2006" xmlns:a14="http://schemas.microsoft.com/office/drawing/2010/main">
+        <mc:Choice Requires="a14">
           <p:sp>
             <p:nvSpPr>
               <p:cNvPr id="7" name="TextBox 6">
@@ -10495,19 +10494,7 @@
                           </a:solidFill>
                           <a:latin typeface="Cambria Math" panose="02040503050406030204" pitchFamily="18" charset="0"/>
                         </a:rPr>
-                        <m:t>MA</m:t>
-                      </m:r>
-                      <m:r>
-                        <m:rPr>
-                          <m:sty m:val="p"/>
-                        </m:rPr>
-                        <a:rPr lang="en-US">
-                          <a:solidFill>
-                            <a:srgbClr val="404040"/>
-                          </a:solidFill>
-                          <a:latin typeface="Cambria Math" panose="02040503050406030204" pitchFamily="18" charset="0"/>
-                        </a:rPr>
-                        <m:t>E</m:t>
+                        <m:t>MAE</m:t>
                       </m:r>
                       <m:r>
                         <a:rPr lang="en-US">
@@ -10865,7 +10852,7 @@
             </p:txBody>
           </p:sp>
         </mc:Choice>
-        <mc:Fallback>
+        <mc:Fallback xmlns="">
           <p:sp>
             <p:nvSpPr>
               <p:cNvPr id="7" name="TextBox 6">
@@ -12822,403 +12809,6 @@
 </file>
 
 <file path=ppt/slides/slide18.xml><?xml version="1.0" encoding="utf-8"?>
-<p:sld xmlns:a="http://schemas.openxmlformats.org/drawingml/2006/main" xmlns:r="http://schemas.openxmlformats.org/officeDocument/2006/relationships" xmlns:p="http://schemas.openxmlformats.org/presentationml/2006/main">
-  <p:cSld>
-    <p:bg>
-      <p:bgPr>
-        <a:solidFill>
-          <a:schemeClr val="bg1">
-            <a:lumMod val="85000"/>
-          </a:schemeClr>
-        </a:solidFill>
-        <a:effectLst/>
-      </p:bgPr>
-    </p:bg>
-    <p:spTree>
-      <p:nvGrpSpPr>
-        <p:cNvPr id="1" name=""/>
-        <p:cNvGrpSpPr/>
-        <p:nvPr/>
-      </p:nvGrpSpPr>
-      <p:grpSpPr>
-        <a:xfrm>
-          <a:off x="0" y="0"/>
-          <a:ext cx="0" cy="0"/>
-          <a:chOff x="0" y="0"/>
-          <a:chExt cx="0" cy="0"/>
-        </a:xfrm>
-      </p:grpSpPr>
-      <p:sp>
-        <p:nvSpPr>
-          <p:cNvPr id="15" name="Rectangle 12">
-            <a:extLst>
-              <a:ext uri="{FF2B5EF4-FFF2-40B4-BE49-F238E27FC236}">
-                <a16:creationId xmlns:a16="http://schemas.microsoft.com/office/drawing/2014/main" id="{867D4867-5BA7-4462-B2F6-A23F4A622AA7}"/>
-              </a:ext>
-              <a:ext uri="{C183D7F6-B498-43B3-948B-1728B52AA6E4}">
-                <adec:decorative xmlns:adec="http://schemas.microsoft.com/office/drawing/2017/decorative" val="1"/>
-              </a:ext>
-            </a:extLst>
-          </p:cNvPr>
-          <p:cNvSpPr>
-            <a:spLocks noGrp="1" noRot="1" noChangeAspect="1" noMove="1" noResize="1" noEditPoints="1" noAdjustHandles="1" noChangeArrowheads="1" noChangeShapeType="1" noTextEdit="1"/>
-          </p:cNvSpPr>
-          <p:nvPr>
-            <p:extLst>
-              <p:ext uri="{386F3935-93C4-4BCD-93E2-E3B085C9AB24}">
-                <p16:designElem xmlns:p16="http://schemas.microsoft.com/office/powerpoint/2015/main" val="1"/>
-              </p:ext>
-            </p:extLst>
-          </p:nvPr>
-        </p:nvSpPr>
-        <p:spPr>
-          <a:xfrm>
-            <a:off x="0" y="0"/>
-            <a:ext cx="3490722" cy="6858000"/>
-          </a:xfrm>
-          <a:prstGeom prst="rect">
-            <a:avLst/>
-          </a:prstGeom>
-          <a:solidFill>
-            <a:schemeClr val="tx1">
-              <a:lumMod val="75000"/>
-              <a:lumOff val="25000"/>
-            </a:schemeClr>
-          </a:solidFill>
-          <a:ln>
-            <a:noFill/>
-          </a:ln>
-        </p:spPr>
-        <p:style>
-          <a:lnRef idx="0">
-            <a:scrgbClr r="0" g="0" b="0"/>
-          </a:lnRef>
-          <a:fillRef idx="0">
-            <a:scrgbClr r="0" g="0" b="0"/>
-          </a:fillRef>
-          <a:effectRef idx="0">
-            <a:scrgbClr r="0" g="0" b="0"/>
-          </a:effectRef>
-          <a:fontRef idx="minor">
-            <a:schemeClr val="lt1"/>
-          </a:fontRef>
-        </p:style>
-        <p:txBody>
-          <a:bodyPr rtlCol="0" anchor="ctr"/>
-          <a:lstStyle/>
-          <a:p>
-            <a:pPr marL="0" marR="0" lvl="0" indent="0" algn="ctr" defTabSz="457200" rtl="0" eaLnBrk="1" fontAlgn="base" latinLnBrk="0" hangingPunct="1">
-              <a:lnSpc>
-                <a:spcPct val="100000"/>
-              </a:lnSpc>
-              <a:spcBef>
-                <a:spcPct val="0"/>
-              </a:spcBef>
-              <a:spcAft>
-                <a:spcPct val="0"/>
-              </a:spcAft>
-              <a:buClrTx/>
-              <a:buSzTx/>
-              <a:buFontTx/>
-              <a:buNone/>
-              <a:tabLst/>
-              <a:defRPr/>
-            </a:pPr>
-            <a:endParaRPr kumimoji="0" lang="en-US" sz="2400" b="0" i="0" u="none" strike="noStrike" kern="1200" cap="none" spc="0" normalizeH="0" baseline="0" noProof="0">
-              <a:ln>
-                <a:noFill/>
-              </a:ln>
-              <a:solidFill>
-                <a:prstClr val="white"/>
-              </a:solidFill>
-              <a:effectLst/>
-              <a:uLnTx/>
-              <a:uFillTx/>
-              <a:latin typeface="Calibri"/>
-              <a:ea typeface="+mn-ea"/>
-              <a:cs typeface="+mn-cs"/>
-            </a:endParaRPr>
-          </a:p>
-        </p:txBody>
-      </p:sp>
-      <p:sp>
-        <p:nvSpPr>
-          <p:cNvPr id="2" name="Title 1"/>
-          <p:cNvSpPr>
-            <a:spLocks noGrp="1"/>
-          </p:cNvSpPr>
-          <p:nvPr>
-            <p:ph type="title"/>
-          </p:nvPr>
-        </p:nvSpPr>
-        <p:spPr>
-          <a:xfrm>
-            <a:off x="482600" y="643467"/>
-            <a:ext cx="2522980" cy="1597315"/>
-          </a:xfrm>
-          <a:noFill/>
-          <a:ln w="19050">
-            <a:solidFill>
-              <a:schemeClr val="bg1"/>
-            </a:solidFill>
-          </a:ln>
-        </p:spPr>
-        <p:txBody>
-          <a:bodyPr vert="horz" wrap="square" lIns="91440" tIns="45720" rIns="91440" bIns="45720" rtlCol="0" anchor="ctr">
-            <a:normAutofit/>
-          </a:bodyPr>
-          <a:lstStyle/>
-          <a:p>
-            <a:pPr defTabSz="914400" eaLnBrk="1" hangingPunct="1">
-              <a:lnSpc>
-                <a:spcPct val="90000"/>
-              </a:lnSpc>
-            </a:pPr>
-            <a:r>
-              <a:rPr lang="en-US" sz="2400" dirty="0">
-                <a:solidFill>
-                  <a:schemeClr val="bg1"/>
-                </a:solidFill>
-              </a:rPr>
-              <a:t>Discussion</a:t>
-            </a:r>
-            <a:endParaRPr lang="en-US" sz="2400" kern="1200" dirty="0">
-              <a:solidFill>
-                <a:schemeClr val="bg1"/>
-              </a:solidFill>
-              <a:latin typeface="+mj-lt"/>
-              <a:ea typeface="+mj-ea"/>
-              <a:cs typeface="+mj-cs"/>
-            </a:endParaRPr>
-          </a:p>
-        </p:txBody>
-      </p:sp>
-      <p:pic>
-        <p:nvPicPr>
-          <p:cNvPr id="8" name="Picture 7">
-            <a:extLst>
-              <a:ext uri="{FF2B5EF4-FFF2-40B4-BE49-F238E27FC236}">
-                <a16:creationId xmlns:a16="http://schemas.microsoft.com/office/drawing/2014/main" id="{521D4292-9ECC-4DA5-8CC0-C561A0DA118E}"/>
-              </a:ext>
-            </a:extLst>
-          </p:cNvPr>
-          <p:cNvPicPr>
-            <a:picLocks noChangeAspect="1"/>
-          </p:cNvPicPr>
-          <p:nvPr/>
-        </p:nvPicPr>
-        <p:blipFill rotWithShape="1">
-          <a:blip r:embed="rId3"/>
-          <a:srcRect l="8000" r="9400"/>
-          <a:stretch/>
-        </p:blipFill>
-        <p:spPr>
-          <a:xfrm>
-            <a:off x="660103" y="3048000"/>
-            <a:ext cx="2167974" cy="2624666"/>
-          </a:xfrm>
-          <a:prstGeom prst="rect">
-            <a:avLst/>
-          </a:prstGeom>
-          <a:noFill/>
-        </p:spPr>
-      </p:pic>
-      <p:sp>
-        <p:nvSpPr>
-          <p:cNvPr id="7" name="TextBox 6">
-            <a:extLst>
-              <a:ext uri="{FF2B5EF4-FFF2-40B4-BE49-F238E27FC236}">
-                <a16:creationId xmlns:a16="http://schemas.microsoft.com/office/drawing/2014/main" id="{DF060353-BDFF-427E-8ABE-861948AE3B71}"/>
-              </a:ext>
-            </a:extLst>
-          </p:cNvPr>
-          <p:cNvSpPr txBox="1"/>
-          <p:nvPr/>
-        </p:nvSpPr>
-        <p:spPr>
-          <a:xfrm>
-            <a:off x="3810000" y="506762"/>
-            <a:ext cx="5334000" cy="6001643"/>
-          </a:xfrm>
-          <a:prstGeom prst="rect">
-            <a:avLst/>
-          </a:prstGeom>
-          <a:noFill/>
-        </p:spPr>
-        <p:txBody>
-          <a:bodyPr wrap="square" rtlCol="0">
-            <a:spAutoFit/>
-          </a:bodyPr>
-          <a:lstStyle/>
-          <a:p>
-            <a:pPr marL="342900" indent="-342900">
-              <a:buFont typeface="Arial" panose="020B0604020202020204" pitchFamily="34" charset="0"/>
-              <a:buChar char="•"/>
-              <a:defRPr/>
-            </a:pPr>
-            <a:r>
-              <a:rPr lang="en-US" dirty="0">
-                <a:solidFill>
-                  <a:srgbClr val="404040"/>
-                </a:solidFill>
-              </a:rPr>
-              <a:t>Problems With The Approach</a:t>
-            </a:r>
-          </a:p>
-          <a:p>
-            <a:pPr marL="342900" indent="-342900">
-              <a:buFont typeface="Arial" panose="020B0604020202020204" pitchFamily="34" charset="0"/>
-              <a:buChar char="•"/>
-              <a:defRPr/>
-            </a:pPr>
-            <a:endParaRPr lang="en-US" dirty="0">
-              <a:solidFill>
-                <a:srgbClr val="404040"/>
-              </a:solidFill>
-            </a:endParaRPr>
-          </a:p>
-          <a:p>
-            <a:pPr marL="800100" lvl="1" indent="-342900">
-              <a:buFont typeface="Arial" panose="020B0604020202020204" pitchFamily="34" charset="0"/>
-              <a:buChar char="•"/>
-              <a:defRPr/>
-            </a:pPr>
-            <a:r>
-              <a:rPr lang="en-US" dirty="0">
-                <a:solidFill>
-                  <a:srgbClr val="404040"/>
-                </a:solidFill>
-              </a:rPr>
-              <a:t>Same Model For All Locations</a:t>
-            </a:r>
-          </a:p>
-          <a:p>
-            <a:pPr marL="800100" lvl="1" indent="-342900">
-              <a:buFont typeface="Arial" panose="020B0604020202020204" pitchFamily="34" charset="0"/>
-              <a:buChar char="•"/>
-              <a:defRPr/>
-            </a:pPr>
-            <a:endParaRPr lang="en-US" dirty="0">
-              <a:solidFill>
-                <a:srgbClr val="404040"/>
-              </a:solidFill>
-            </a:endParaRPr>
-          </a:p>
-          <a:p>
-            <a:pPr marL="800100" lvl="1" indent="-342900">
-              <a:buFont typeface="Arial" panose="020B0604020202020204" pitchFamily="34" charset="0"/>
-              <a:buChar char="•"/>
-              <a:defRPr/>
-            </a:pPr>
-            <a:r>
-              <a:rPr lang="en-US" dirty="0">
-                <a:solidFill>
-                  <a:srgbClr val="404040"/>
-                </a:solidFill>
-              </a:rPr>
-              <a:t>Not All Locations Used in Train</a:t>
-            </a:r>
-          </a:p>
-          <a:p>
-            <a:pPr marL="800100" lvl="1" indent="-342900">
-              <a:buFont typeface="Arial" panose="020B0604020202020204" pitchFamily="34" charset="0"/>
-              <a:buChar char="•"/>
-              <a:defRPr/>
-            </a:pPr>
-            <a:endParaRPr lang="en-US" dirty="0">
-              <a:solidFill>
-                <a:srgbClr val="404040"/>
-              </a:solidFill>
-            </a:endParaRPr>
-          </a:p>
-          <a:p>
-            <a:pPr marL="800100" lvl="1" indent="-342900">
-              <a:buFont typeface="Arial" panose="020B0604020202020204" pitchFamily="34" charset="0"/>
-              <a:buChar char="•"/>
-              <a:defRPr/>
-            </a:pPr>
-            <a:r>
-              <a:rPr lang="en-US" dirty="0">
-                <a:solidFill>
-                  <a:srgbClr val="404040"/>
-                </a:solidFill>
-              </a:rPr>
-              <a:t>Not All Locations Used in Test</a:t>
-            </a:r>
-          </a:p>
-          <a:p>
-            <a:pPr marL="800100" lvl="1" indent="-342900">
-              <a:buFont typeface="Arial" panose="020B0604020202020204" pitchFamily="34" charset="0"/>
-              <a:buChar char="•"/>
-              <a:defRPr/>
-            </a:pPr>
-            <a:endParaRPr lang="en-US" dirty="0">
-              <a:solidFill>
-                <a:srgbClr val="404040"/>
-              </a:solidFill>
-            </a:endParaRPr>
-          </a:p>
-          <a:p>
-            <a:pPr marL="800100" lvl="1" indent="-342900">
-              <a:buFont typeface="Arial" panose="020B0604020202020204" pitchFamily="34" charset="0"/>
-              <a:buChar char="•"/>
-              <a:defRPr/>
-            </a:pPr>
-            <a:r>
-              <a:rPr lang="en-US" dirty="0">
-                <a:solidFill>
-                  <a:srgbClr val="404040"/>
-                </a:solidFill>
-              </a:rPr>
-              <a:t>Residuals Indicate that Model Can Be Improved</a:t>
-            </a:r>
-          </a:p>
-          <a:p>
-            <a:pPr marL="800100" lvl="1" indent="-342900">
-              <a:buFont typeface="Arial" panose="020B0604020202020204" pitchFamily="34" charset="0"/>
-              <a:buChar char="•"/>
-              <a:defRPr/>
-            </a:pPr>
-            <a:endParaRPr lang="en-US" dirty="0">
-              <a:solidFill>
-                <a:srgbClr val="404040"/>
-              </a:solidFill>
-            </a:endParaRPr>
-          </a:p>
-          <a:p>
-            <a:pPr marL="800100" lvl="1" indent="-342900">
-              <a:buFont typeface="Arial" panose="020B0604020202020204" pitchFamily="34" charset="0"/>
-              <a:buChar char="•"/>
-              <a:defRPr/>
-            </a:pPr>
-            <a:r>
-              <a:rPr lang="en-US" dirty="0">
-                <a:solidFill>
-                  <a:srgbClr val="404040"/>
-                </a:solidFill>
-              </a:rPr>
-              <a:t>All Models Have the Same Issue if Used for Predicting the Maximum Water Temperature Given the Maximum Air Temperature</a:t>
-            </a:r>
-          </a:p>
-        </p:txBody>
-      </p:sp>
-    </p:spTree>
-    <p:custDataLst>
-      <p:tags r:id="rId1"/>
-    </p:custDataLst>
-    <p:extLst>
-      <p:ext uri="{BB962C8B-B14F-4D97-AF65-F5344CB8AC3E}">
-        <p14:creationId xmlns:p14="http://schemas.microsoft.com/office/powerpoint/2010/main" val="3310022946"/>
-      </p:ext>
-    </p:extLst>
-  </p:cSld>
-  <p:clrMapOvr>
-    <a:masterClrMapping/>
-  </p:clrMapOvr>
-</p:sld>
-</file>
-
-<file path=ppt/slides/slide19.xml><?xml version="1.0" encoding="utf-8"?>
 <p:sld xmlns:a="http://schemas.openxmlformats.org/drawingml/2006/main" xmlns:r="http://schemas.openxmlformats.org/officeDocument/2006/relationships" xmlns:p="http://schemas.openxmlformats.org/presentationml/2006/main">
   <p:cSld>
     <p:bg>
@@ -18084,12 +17674,6 @@
 </file>
 
 <file path=ppt/tags/tag2.xml><?xml version="1.0" encoding="utf-8"?>
-<p:tagLst xmlns:a="http://schemas.openxmlformats.org/drawingml/2006/main" xmlns:r="http://schemas.openxmlformats.org/officeDocument/2006/relationships" xmlns:p="http://schemas.openxmlformats.org/presentationml/2006/main">
-  <p:tag name="DELIMITERS" val="3.1"/>
-</p:tagLst>
-</file>
-
-<file path=ppt/tags/tag20.xml><?xml version="1.0" encoding="utf-8"?>
 <p:tagLst xmlns:a="http://schemas.openxmlformats.org/drawingml/2006/main" xmlns:r="http://schemas.openxmlformats.org/officeDocument/2006/relationships" xmlns:p="http://schemas.openxmlformats.org/presentationml/2006/main">
   <p:tag name="DELIMITERS" val="3.1"/>
 </p:tagLst>
